--- a/A1.pptx
+++ b/A1.pptx
@@ -61,11 +61,16 @@
   <p:notesSz cx="6858000" cy="9144000"/>
   <p:embeddedFontLst>
     <p:embeddedFont>
-      <p:font typeface="Montserrat SemiBold" panose="00000700000000000000" pitchFamily="2" charset="0"/>
+      <p:font typeface="微軟正黑體" panose="020B0604030504040204" pitchFamily="34" charset="-120"/>
       <p:regular r:id="rId51"/>
       <p:bold r:id="rId52"/>
-      <p:italic r:id="rId53"/>
-      <p:boldItalic r:id="rId54"/>
+    </p:embeddedFont>
+    <p:embeddedFont>
+      <p:font typeface="Montserrat SemiBold" panose="00000700000000000000" pitchFamily="2" charset="0"/>
+      <p:regular r:id="rId53"/>
+      <p:bold r:id="rId54"/>
+      <p:italic r:id="rId55"/>
+      <p:boldItalic r:id="rId56"/>
     </p:embeddedFont>
   </p:embeddedFontLst>
   <p:defaultTextStyle>
@@ -8815,7 +8820,7 @@
         <p:fade thruBlk="1"/>
       </p:transition>
     </mc:Choice>
-    <mc:Fallback xmlns:ahyp="http://schemas.microsoft.com/office/drawing/2018/hyperlinkcolor" xmlns:p15="http://schemas.microsoft.com/office/powerpoint/2012/main" xmlns:com="http://schemas.openxmlformats.org/drawingml/2006/compatibility" xmlns:pvml="urn:schemas-microsoft-com:office:powerpoint" xmlns:v="urn:schemas-microsoft-com:vml" xmlns:o="urn:schemas-microsoft-com:office:office" xmlns:dgm="http://schemas.openxmlformats.org/drawingml/2006/diagram" xmlns:c="http://schemas.openxmlformats.org/drawingml/2006/chart" xmlns:mv="urn:schemas-microsoft-com:mac:vml" xmlns="">
+    <mc:Fallback xmlns="" xmlns:mv="urn:schemas-microsoft-com:mac:vml" xmlns:c="http://schemas.openxmlformats.org/drawingml/2006/chart" xmlns:dgm="http://schemas.openxmlformats.org/drawingml/2006/diagram" xmlns:o="urn:schemas-microsoft-com:office:office" xmlns:v="urn:schemas-microsoft-com:vml" xmlns:pvml="urn:schemas-microsoft-com:office:powerpoint" xmlns:com="http://schemas.openxmlformats.org/drawingml/2006/compatibility" xmlns:p15="http://schemas.microsoft.com/office/powerpoint/2012/main" xmlns:ahyp="http://schemas.microsoft.com/office/drawing/2018/hyperlinkcolor">
       <p:transition spd="slow">
         <p:fade/>
       </p:transition>
@@ -9786,7 +9791,7 @@
         <p:fade thruBlk="1"/>
       </p:transition>
     </mc:Choice>
-    <mc:Fallback xmlns:ahyp="http://schemas.microsoft.com/office/drawing/2018/hyperlinkcolor" xmlns:p15="http://schemas.microsoft.com/office/powerpoint/2012/main" xmlns:com="http://schemas.openxmlformats.org/drawingml/2006/compatibility" xmlns:pvml="urn:schemas-microsoft-com:office:powerpoint" xmlns:v="urn:schemas-microsoft-com:vml" xmlns:o="urn:schemas-microsoft-com:office:office" xmlns:dgm="http://schemas.openxmlformats.org/drawingml/2006/diagram" xmlns:c="http://schemas.openxmlformats.org/drawingml/2006/chart" xmlns:mv="urn:schemas-microsoft-com:mac:vml" xmlns="">
+    <mc:Fallback xmlns="" xmlns:mv="urn:schemas-microsoft-com:mac:vml" xmlns:c="http://schemas.openxmlformats.org/drawingml/2006/chart" xmlns:dgm="http://schemas.openxmlformats.org/drawingml/2006/diagram" xmlns:o="urn:schemas-microsoft-com:office:office" xmlns:v="urn:schemas-microsoft-com:vml" xmlns:pvml="urn:schemas-microsoft-com:office:powerpoint" xmlns:com="http://schemas.openxmlformats.org/drawingml/2006/compatibility" xmlns:p15="http://schemas.microsoft.com/office/powerpoint/2012/main" xmlns:ahyp="http://schemas.microsoft.com/office/drawing/2018/hyperlinkcolor">
       <p:transition spd="slow">
         <p:fade/>
       </p:transition>
@@ -11131,7 +11136,7 @@
         <p:fade thruBlk="1"/>
       </p:transition>
     </mc:Choice>
-    <mc:Fallback xmlns:ahyp="http://schemas.microsoft.com/office/drawing/2018/hyperlinkcolor" xmlns:p15="http://schemas.microsoft.com/office/powerpoint/2012/main" xmlns:com="http://schemas.openxmlformats.org/drawingml/2006/compatibility" xmlns:pvml="urn:schemas-microsoft-com:office:powerpoint" xmlns:v="urn:schemas-microsoft-com:vml" xmlns:o="urn:schemas-microsoft-com:office:office" xmlns:dgm="http://schemas.openxmlformats.org/drawingml/2006/diagram" xmlns:c="http://schemas.openxmlformats.org/drawingml/2006/chart" xmlns:mv="urn:schemas-microsoft-com:mac:vml" xmlns="">
+    <mc:Fallback xmlns="" xmlns:mv="urn:schemas-microsoft-com:mac:vml" xmlns:c="http://schemas.openxmlformats.org/drawingml/2006/chart" xmlns:dgm="http://schemas.openxmlformats.org/drawingml/2006/diagram" xmlns:o="urn:schemas-microsoft-com:office:office" xmlns:v="urn:schemas-microsoft-com:vml" xmlns:pvml="urn:schemas-microsoft-com:office:powerpoint" xmlns:com="http://schemas.openxmlformats.org/drawingml/2006/compatibility" xmlns:p15="http://schemas.microsoft.com/office/powerpoint/2012/main" xmlns:ahyp="http://schemas.microsoft.com/office/drawing/2018/hyperlinkcolor">
       <p:transition spd="slow">
         <p:fade/>
       </p:transition>
@@ -11728,7 +11733,7 @@
         <p:fade thruBlk="1"/>
       </p:transition>
     </mc:Choice>
-    <mc:Fallback xmlns:ahyp="http://schemas.microsoft.com/office/drawing/2018/hyperlinkcolor" xmlns:p15="http://schemas.microsoft.com/office/powerpoint/2012/main" xmlns:com="http://schemas.openxmlformats.org/drawingml/2006/compatibility" xmlns:pvml="urn:schemas-microsoft-com:office:powerpoint" xmlns:v="urn:schemas-microsoft-com:vml" xmlns:o="urn:schemas-microsoft-com:office:office" xmlns:dgm="http://schemas.openxmlformats.org/drawingml/2006/diagram" xmlns:c="http://schemas.openxmlformats.org/drawingml/2006/chart" xmlns:mv="urn:schemas-microsoft-com:mac:vml" xmlns="">
+    <mc:Fallback xmlns="" xmlns:mv="urn:schemas-microsoft-com:mac:vml" xmlns:c="http://schemas.openxmlformats.org/drawingml/2006/chart" xmlns:dgm="http://schemas.openxmlformats.org/drawingml/2006/diagram" xmlns:o="urn:schemas-microsoft-com:office:office" xmlns:v="urn:schemas-microsoft-com:vml" xmlns:pvml="urn:schemas-microsoft-com:office:powerpoint" xmlns:com="http://schemas.openxmlformats.org/drawingml/2006/compatibility" xmlns:p15="http://schemas.microsoft.com/office/powerpoint/2012/main" xmlns:ahyp="http://schemas.microsoft.com/office/drawing/2018/hyperlinkcolor">
       <p:transition spd="slow">
         <p:fade/>
       </p:transition>
@@ -12700,7 +12705,7 @@
         <p:fade thruBlk="1"/>
       </p:transition>
     </mc:Choice>
-    <mc:Fallback xmlns:ahyp="http://schemas.microsoft.com/office/drawing/2018/hyperlinkcolor" xmlns:p15="http://schemas.microsoft.com/office/powerpoint/2012/main" xmlns:com="http://schemas.openxmlformats.org/drawingml/2006/compatibility" xmlns:pvml="urn:schemas-microsoft-com:office:powerpoint" xmlns:v="urn:schemas-microsoft-com:vml" xmlns:o="urn:schemas-microsoft-com:office:office" xmlns:dgm="http://schemas.openxmlformats.org/drawingml/2006/diagram" xmlns:c="http://schemas.openxmlformats.org/drawingml/2006/chart" xmlns:mv="urn:schemas-microsoft-com:mac:vml" xmlns="">
+    <mc:Fallback xmlns="" xmlns:mv="urn:schemas-microsoft-com:mac:vml" xmlns:c="http://schemas.openxmlformats.org/drawingml/2006/chart" xmlns:dgm="http://schemas.openxmlformats.org/drawingml/2006/diagram" xmlns:o="urn:schemas-microsoft-com:office:office" xmlns:v="urn:schemas-microsoft-com:vml" xmlns:pvml="urn:schemas-microsoft-com:office:powerpoint" xmlns:com="http://schemas.openxmlformats.org/drawingml/2006/compatibility" xmlns:p15="http://schemas.microsoft.com/office/powerpoint/2012/main" xmlns:ahyp="http://schemas.microsoft.com/office/drawing/2018/hyperlinkcolor">
       <p:transition spd="slow">
         <p:fade/>
       </p:transition>
@@ -13509,7 +13514,7 @@
         <p:fade thruBlk="1"/>
       </p:transition>
     </mc:Choice>
-    <mc:Fallback xmlns:ahyp="http://schemas.microsoft.com/office/drawing/2018/hyperlinkcolor" xmlns:p15="http://schemas.microsoft.com/office/powerpoint/2012/main" xmlns:com="http://schemas.openxmlformats.org/drawingml/2006/compatibility" xmlns:pvml="urn:schemas-microsoft-com:office:powerpoint" xmlns:v="urn:schemas-microsoft-com:vml" xmlns:o="urn:schemas-microsoft-com:office:office" xmlns:dgm="http://schemas.openxmlformats.org/drawingml/2006/diagram" xmlns:c="http://schemas.openxmlformats.org/drawingml/2006/chart" xmlns:mv="urn:schemas-microsoft-com:mac:vml" xmlns="">
+    <mc:Fallback xmlns="" xmlns:mv="urn:schemas-microsoft-com:mac:vml" xmlns:c="http://schemas.openxmlformats.org/drawingml/2006/chart" xmlns:dgm="http://schemas.openxmlformats.org/drawingml/2006/diagram" xmlns:o="urn:schemas-microsoft-com:office:office" xmlns:v="urn:schemas-microsoft-com:vml" xmlns:pvml="urn:schemas-microsoft-com:office:powerpoint" xmlns:com="http://schemas.openxmlformats.org/drawingml/2006/compatibility" xmlns:p15="http://schemas.microsoft.com/office/powerpoint/2012/main" xmlns:ahyp="http://schemas.microsoft.com/office/drawing/2018/hyperlinkcolor">
       <p:transition spd="slow">
         <p:fade/>
       </p:transition>
@@ -14293,7 +14298,7 @@
         <p:fade thruBlk="1"/>
       </p:transition>
     </mc:Choice>
-    <mc:Fallback xmlns:ahyp="http://schemas.microsoft.com/office/drawing/2018/hyperlinkcolor" xmlns:p15="http://schemas.microsoft.com/office/powerpoint/2012/main" xmlns:com="http://schemas.openxmlformats.org/drawingml/2006/compatibility" xmlns:pvml="urn:schemas-microsoft-com:office:powerpoint" xmlns:v="urn:schemas-microsoft-com:vml" xmlns:o="urn:schemas-microsoft-com:office:office" xmlns:dgm="http://schemas.openxmlformats.org/drawingml/2006/diagram" xmlns:c="http://schemas.openxmlformats.org/drawingml/2006/chart" xmlns:mv="urn:schemas-microsoft-com:mac:vml" xmlns="">
+    <mc:Fallback xmlns="" xmlns:mv="urn:schemas-microsoft-com:mac:vml" xmlns:c="http://schemas.openxmlformats.org/drawingml/2006/chart" xmlns:dgm="http://schemas.openxmlformats.org/drawingml/2006/diagram" xmlns:o="urn:schemas-microsoft-com:office:office" xmlns:v="urn:schemas-microsoft-com:vml" xmlns:pvml="urn:schemas-microsoft-com:office:powerpoint" xmlns:com="http://schemas.openxmlformats.org/drawingml/2006/compatibility" xmlns:p15="http://schemas.microsoft.com/office/powerpoint/2012/main" xmlns:ahyp="http://schemas.microsoft.com/office/drawing/2018/hyperlinkcolor">
       <p:transition spd="slow">
         <p:fade/>
       </p:transition>
@@ -15077,7 +15082,7 @@
         <p:fade thruBlk="1"/>
       </p:transition>
     </mc:Choice>
-    <mc:Fallback xmlns:ahyp="http://schemas.microsoft.com/office/drawing/2018/hyperlinkcolor" xmlns:p15="http://schemas.microsoft.com/office/powerpoint/2012/main" xmlns:com="http://schemas.openxmlformats.org/drawingml/2006/compatibility" xmlns:pvml="urn:schemas-microsoft-com:office:powerpoint" xmlns:v="urn:schemas-microsoft-com:vml" xmlns:o="urn:schemas-microsoft-com:office:office" xmlns:dgm="http://schemas.openxmlformats.org/drawingml/2006/diagram" xmlns:c="http://schemas.openxmlformats.org/drawingml/2006/chart" xmlns:mv="urn:schemas-microsoft-com:mac:vml" xmlns="">
+    <mc:Fallback xmlns="" xmlns:mv="urn:schemas-microsoft-com:mac:vml" xmlns:c="http://schemas.openxmlformats.org/drawingml/2006/chart" xmlns:dgm="http://schemas.openxmlformats.org/drawingml/2006/diagram" xmlns:o="urn:schemas-microsoft-com:office:office" xmlns:v="urn:schemas-microsoft-com:vml" xmlns:pvml="urn:schemas-microsoft-com:office:powerpoint" xmlns:com="http://schemas.openxmlformats.org/drawingml/2006/compatibility" xmlns:p15="http://schemas.microsoft.com/office/powerpoint/2012/main" xmlns:ahyp="http://schemas.microsoft.com/office/drawing/2018/hyperlinkcolor">
       <p:transition spd="slow">
         <p:fade/>
       </p:transition>
@@ -15114,7 +15119,7 @@
         <p:fade thruBlk="1"/>
       </p:transition>
     </mc:Choice>
-    <mc:Fallback xmlns:ahyp="http://schemas.microsoft.com/office/drawing/2018/hyperlinkcolor" xmlns:p15="http://schemas.microsoft.com/office/powerpoint/2012/main" xmlns:com="http://schemas.openxmlformats.org/drawingml/2006/compatibility" xmlns:pvml="urn:schemas-microsoft-com:office:powerpoint" xmlns:v="urn:schemas-microsoft-com:vml" xmlns:o="urn:schemas-microsoft-com:office:office" xmlns:dgm="http://schemas.openxmlformats.org/drawingml/2006/diagram" xmlns:c="http://schemas.openxmlformats.org/drawingml/2006/chart" xmlns:mv="urn:schemas-microsoft-com:mac:vml" xmlns="">
+    <mc:Fallback xmlns="" xmlns:mv="urn:schemas-microsoft-com:mac:vml" xmlns:c="http://schemas.openxmlformats.org/drawingml/2006/chart" xmlns:dgm="http://schemas.openxmlformats.org/drawingml/2006/diagram" xmlns:o="urn:schemas-microsoft-com:office:office" xmlns:v="urn:schemas-microsoft-com:vml" xmlns:pvml="urn:schemas-microsoft-com:office:powerpoint" xmlns:com="http://schemas.openxmlformats.org/drawingml/2006/compatibility" xmlns:p15="http://schemas.microsoft.com/office/powerpoint/2012/main" xmlns:ahyp="http://schemas.microsoft.com/office/drawing/2018/hyperlinkcolor">
       <p:transition spd="slow">
         <p:fade/>
       </p:transition>
@@ -15151,7 +15156,7 @@
         <p:fade thruBlk="1"/>
       </p:transition>
     </mc:Choice>
-    <mc:Fallback xmlns:ahyp="http://schemas.microsoft.com/office/drawing/2018/hyperlinkcolor" xmlns:p15="http://schemas.microsoft.com/office/powerpoint/2012/main" xmlns:com="http://schemas.openxmlformats.org/drawingml/2006/compatibility" xmlns:pvml="urn:schemas-microsoft-com:office:powerpoint" xmlns:v="urn:schemas-microsoft-com:vml" xmlns:o="urn:schemas-microsoft-com:office:office" xmlns:dgm="http://schemas.openxmlformats.org/drawingml/2006/diagram" xmlns:c="http://schemas.openxmlformats.org/drawingml/2006/chart" xmlns:mv="urn:schemas-microsoft-com:mac:vml" xmlns="">
+    <mc:Fallback xmlns="" xmlns:mv="urn:schemas-microsoft-com:mac:vml" xmlns:c="http://schemas.openxmlformats.org/drawingml/2006/chart" xmlns:dgm="http://schemas.openxmlformats.org/drawingml/2006/diagram" xmlns:o="urn:schemas-microsoft-com:office:office" xmlns:v="urn:schemas-microsoft-com:vml" xmlns:pvml="urn:schemas-microsoft-com:office:powerpoint" xmlns:com="http://schemas.openxmlformats.org/drawingml/2006/compatibility" xmlns:p15="http://schemas.microsoft.com/office/powerpoint/2012/main" xmlns:ahyp="http://schemas.microsoft.com/office/drawing/2018/hyperlinkcolor">
       <p:transition spd="slow">
         <p:fade/>
       </p:transition>
@@ -15188,7 +15193,7 @@
         <p:fade thruBlk="1"/>
       </p:transition>
     </mc:Choice>
-    <mc:Fallback xmlns:ahyp="http://schemas.microsoft.com/office/drawing/2018/hyperlinkcolor" xmlns:p15="http://schemas.microsoft.com/office/powerpoint/2012/main" xmlns:com="http://schemas.openxmlformats.org/drawingml/2006/compatibility" xmlns:pvml="urn:schemas-microsoft-com:office:powerpoint" xmlns:v="urn:schemas-microsoft-com:vml" xmlns:o="urn:schemas-microsoft-com:office:office" xmlns:dgm="http://schemas.openxmlformats.org/drawingml/2006/diagram" xmlns:c="http://schemas.openxmlformats.org/drawingml/2006/chart" xmlns:mv="urn:schemas-microsoft-com:mac:vml" xmlns="">
+    <mc:Fallback xmlns="" xmlns:mv="urn:schemas-microsoft-com:mac:vml" xmlns:c="http://schemas.openxmlformats.org/drawingml/2006/chart" xmlns:dgm="http://schemas.openxmlformats.org/drawingml/2006/diagram" xmlns:o="urn:schemas-microsoft-com:office:office" xmlns:v="urn:schemas-microsoft-com:vml" xmlns:pvml="urn:schemas-microsoft-com:office:powerpoint" xmlns:com="http://schemas.openxmlformats.org/drawingml/2006/compatibility" xmlns:p15="http://schemas.microsoft.com/office/powerpoint/2012/main" xmlns:ahyp="http://schemas.microsoft.com/office/drawing/2018/hyperlinkcolor">
       <p:transition spd="slow">
         <p:fade/>
       </p:transition>
@@ -15646,7 +15651,7 @@
         <p:fade thruBlk="1"/>
       </p:transition>
     </mc:Choice>
-    <mc:Fallback xmlns:ahyp="http://schemas.microsoft.com/office/drawing/2018/hyperlinkcolor" xmlns:p15="http://schemas.microsoft.com/office/powerpoint/2012/main" xmlns:com="http://schemas.openxmlformats.org/drawingml/2006/compatibility" xmlns:pvml="urn:schemas-microsoft-com:office:powerpoint" xmlns:v="urn:schemas-microsoft-com:vml" xmlns:o="urn:schemas-microsoft-com:office:office" xmlns:dgm="http://schemas.openxmlformats.org/drawingml/2006/diagram" xmlns:c="http://schemas.openxmlformats.org/drawingml/2006/chart" xmlns:mv="urn:schemas-microsoft-com:mac:vml" xmlns="">
+    <mc:Fallback xmlns="" xmlns:mv="urn:schemas-microsoft-com:mac:vml" xmlns:c="http://schemas.openxmlformats.org/drawingml/2006/chart" xmlns:dgm="http://schemas.openxmlformats.org/drawingml/2006/diagram" xmlns:o="urn:schemas-microsoft-com:office:office" xmlns:v="urn:schemas-microsoft-com:vml" xmlns:pvml="urn:schemas-microsoft-com:office:powerpoint" xmlns:com="http://schemas.openxmlformats.org/drawingml/2006/compatibility" xmlns:p15="http://schemas.microsoft.com/office/powerpoint/2012/main" xmlns:ahyp="http://schemas.microsoft.com/office/drawing/2018/hyperlinkcolor">
       <p:transition spd="slow">
         <p:fade/>
       </p:transition>
@@ -15683,7 +15688,7 @@
         <p:fade thruBlk="1"/>
       </p:transition>
     </mc:Choice>
-    <mc:Fallback xmlns:ahyp="http://schemas.microsoft.com/office/drawing/2018/hyperlinkcolor" xmlns:p15="http://schemas.microsoft.com/office/powerpoint/2012/main" xmlns:com="http://schemas.openxmlformats.org/drawingml/2006/compatibility" xmlns:pvml="urn:schemas-microsoft-com:office:powerpoint" xmlns:v="urn:schemas-microsoft-com:vml" xmlns:o="urn:schemas-microsoft-com:office:office" xmlns:dgm="http://schemas.openxmlformats.org/drawingml/2006/diagram" xmlns:c="http://schemas.openxmlformats.org/drawingml/2006/chart" xmlns:mv="urn:schemas-microsoft-com:mac:vml" xmlns="">
+    <mc:Fallback xmlns="" xmlns:mv="urn:schemas-microsoft-com:mac:vml" xmlns:c="http://schemas.openxmlformats.org/drawingml/2006/chart" xmlns:dgm="http://schemas.openxmlformats.org/drawingml/2006/diagram" xmlns:o="urn:schemas-microsoft-com:office:office" xmlns:v="urn:schemas-microsoft-com:vml" xmlns:pvml="urn:schemas-microsoft-com:office:powerpoint" xmlns:com="http://schemas.openxmlformats.org/drawingml/2006/compatibility" xmlns:p15="http://schemas.microsoft.com/office/powerpoint/2012/main" xmlns:ahyp="http://schemas.microsoft.com/office/drawing/2018/hyperlinkcolor">
       <p:transition spd="slow">
         <p:fade/>
       </p:transition>
@@ -15720,7 +15725,7 @@
         <p:fade thruBlk="1"/>
       </p:transition>
     </mc:Choice>
-    <mc:Fallback xmlns:ahyp="http://schemas.microsoft.com/office/drawing/2018/hyperlinkcolor" xmlns:p15="http://schemas.microsoft.com/office/powerpoint/2012/main" xmlns:com="http://schemas.openxmlformats.org/drawingml/2006/compatibility" xmlns:pvml="urn:schemas-microsoft-com:office:powerpoint" xmlns:v="urn:schemas-microsoft-com:vml" xmlns:o="urn:schemas-microsoft-com:office:office" xmlns:dgm="http://schemas.openxmlformats.org/drawingml/2006/diagram" xmlns:c="http://schemas.openxmlformats.org/drawingml/2006/chart" xmlns:mv="urn:schemas-microsoft-com:mac:vml" xmlns="">
+    <mc:Fallback xmlns="" xmlns:mv="urn:schemas-microsoft-com:mac:vml" xmlns:c="http://schemas.openxmlformats.org/drawingml/2006/chart" xmlns:dgm="http://schemas.openxmlformats.org/drawingml/2006/diagram" xmlns:o="urn:schemas-microsoft-com:office:office" xmlns:v="urn:schemas-microsoft-com:vml" xmlns:pvml="urn:schemas-microsoft-com:office:powerpoint" xmlns:com="http://schemas.openxmlformats.org/drawingml/2006/compatibility" xmlns:p15="http://schemas.microsoft.com/office/powerpoint/2012/main" xmlns:ahyp="http://schemas.microsoft.com/office/drawing/2018/hyperlinkcolor">
       <p:transition spd="slow">
         <p:fade/>
       </p:transition>
@@ -15757,7 +15762,7 @@
         <p:fade thruBlk="1"/>
       </p:transition>
     </mc:Choice>
-    <mc:Fallback xmlns:ahyp="http://schemas.microsoft.com/office/drawing/2018/hyperlinkcolor" xmlns:p15="http://schemas.microsoft.com/office/powerpoint/2012/main" xmlns:com="http://schemas.openxmlformats.org/drawingml/2006/compatibility" xmlns:pvml="urn:schemas-microsoft-com:office:powerpoint" xmlns:v="urn:schemas-microsoft-com:vml" xmlns:o="urn:schemas-microsoft-com:office:office" xmlns:dgm="http://schemas.openxmlformats.org/drawingml/2006/diagram" xmlns:c="http://schemas.openxmlformats.org/drawingml/2006/chart" xmlns:mv="urn:schemas-microsoft-com:mac:vml" xmlns="">
+    <mc:Fallback xmlns="" xmlns:mv="urn:schemas-microsoft-com:mac:vml" xmlns:c="http://schemas.openxmlformats.org/drawingml/2006/chart" xmlns:dgm="http://schemas.openxmlformats.org/drawingml/2006/diagram" xmlns:o="urn:schemas-microsoft-com:office:office" xmlns:v="urn:schemas-microsoft-com:vml" xmlns:pvml="urn:schemas-microsoft-com:office:powerpoint" xmlns:com="http://schemas.openxmlformats.org/drawingml/2006/compatibility" xmlns:p15="http://schemas.microsoft.com/office/powerpoint/2012/main" xmlns:ahyp="http://schemas.microsoft.com/office/drawing/2018/hyperlinkcolor">
       <p:transition spd="slow">
         <p:fade/>
       </p:transition>
@@ -15794,7 +15799,7 @@
         <p:fade thruBlk="1"/>
       </p:transition>
     </mc:Choice>
-    <mc:Fallback xmlns:ahyp="http://schemas.microsoft.com/office/drawing/2018/hyperlinkcolor" xmlns:p15="http://schemas.microsoft.com/office/powerpoint/2012/main" xmlns:com="http://schemas.openxmlformats.org/drawingml/2006/compatibility" xmlns:pvml="urn:schemas-microsoft-com:office:powerpoint" xmlns:v="urn:schemas-microsoft-com:vml" xmlns:o="urn:schemas-microsoft-com:office:office" xmlns:dgm="http://schemas.openxmlformats.org/drawingml/2006/diagram" xmlns:c="http://schemas.openxmlformats.org/drawingml/2006/chart" xmlns:mv="urn:schemas-microsoft-com:mac:vml" xmlns="">
+    <mc:Fallback xmlns="" xmlns:mv="urn:schemas-microsoft-com:mac:vml" xmlns:c="http://schemas.openxmlformats.org/drawingml/2006/chart" xmlns:dgm="http://schemas.openxmlformats.org/drawingml/2006/diagram" xmlns:o="urn:schemas-microsoft-com:office:office" xmlns:v="urn:schemas-microsoft-com:vml" xmlns:pvml="urn:schemas-microsoft-com:office:powerpoint" xmlns:com="http://schemas.openxmlformats.org/drawingml/2006/compatibility" xmlns:p15="http://schemas.microsoft.com/office/powerpoint/2012/main" xmlns:ahyp="http://schemas.microsoft.com/office/drawing/2018/hyperlinkcolor">
       <p:transition spd="slow">
         <p:fade/>
       </p:transition>
@@ -15831,7 +15836,7 @@
         <p:fade thruBlk="1"/>
       </p:transition>
     </mc:Choice>
-    <mc:Fallback xmlns:ahyp="http://schemas.microsoft.com/office/drawing/2018/hyperlinkcolor" xmlns:p15="http://schemas.microsoft.com/office/powerpoint/2012/main" xmlns:com="http://schemas.openxmlformats.org/drawingml/2006/compatibility" xmlns:pvml="urn:schemas-microsoft-com:office:powerpoint" xmlns:v="urn:schemas-microsoft-com:vml" xmlns:o="urn:schemas-microsoft-com:office:office" xmlns:dgm="http://schemas.openxmlformats.org/drawingml/2006/diagram" xmlns:c="http://schemas.openxmlformats.org/drawingml/2006/chart" xmlns:mv="urn:schemas-microsoft-com:mac:vml" xmlns="">
+    <mc:Fallback xmlns="" xmlns:mv="urn:schemas-microsoft-com:mac:vml" xmlns:c="http://schemas.openxmlformats.org/drawingml/2006/chart" xmlns:dgm="http://schemas.openxmlformats.org/drawingml/2006/diagram" xmlns:o="urn:schemas-microsoft-com:office:office" xmlns:v="urn:schemas-microsoft-com:vml" xmlns:pvml="urn:schemas-microsoft-com:office:powerpoint" xmlns:com="http://schemas.openxmlformats.org/drawingml/2006/compatibility" xmlns:p15="http://schemas.microsoft.com/office/powerpoint/2012/main" xmlns:ahyp="http://schemas.microsoft.com/office/drawing/2018/hyperlinkcolor">
       <p:transition spd="slow">
         <p:fade/>
       </p:transition>
@@ -15868,7 +15873,7 @@
         <p:fade thruBlk="1"/>
       </p:transition>
     </mc:Choice>
-    <mc:Fallback xmlns:ahyp="http://schemas.microsoft.com/office/drawing/2018/hyperlinkcolor" xmlns:p15="http://schemas.microsoft.com/office/powerpoint/2012/main" xmlns:com="http://schemas.openxmlformats.org/drawingml/2006/compatibility" xmlns:pvml="urn:schemas-microsoft-com:office:powerpoint" xmlns:v="urn:schemas-microsoft-com:vml" xmlns:o="urn:schemas-microsoft-com:office:office" xmlns:dgm="http://schemas.openxmlformats.org/drawingml/2006/diagram" xmlns:c="http://schemas.openxmlformats.org/drawingml/2006/chart" xmlns:mv="urn:schemas-microsoft-com:mac:vml" xmlns="">
+    <mc:Fallback xmlns="" xmlns:mv="urn:schemas-microsoft-com:mac:vml" xmlns:c="http://schemas.openxmlformats.org/drawingml/2006/chart" xmlns:dgm="http://schemas.openxmlformats.org/drawingml/2006/diagram" xmlns:o="urn:schemas-microsoft-com:office:office" xmlns:v="urn:schemas-microsoft-com:vml" xmlns:pvml="urn:schemas-microsoft-com:office:powerpoint" xmlns:com="http://schemas.openxmlformats.org/drawingml/2006/compatibility" xmlns:p15="http://schemas.microsoft.com/office/powerpoint/2012/main" xmlns:ahyp="http://schemas.microsoft.com/office/drawing/2018/hyperlinkcolor">
       <p:transition spd="slow">
         <p:fade/>
       </p:transition>
@@ -15905,7 +15910,7 @@
         <p:fade thruBlk="1"/>
       </p:transition>
     </mc:Choice>
-    <mc:Fallback xmlns:ahyp="http://schemas.microsoft.com/office/drawing/2018/hyperlinkcolor" xmlns:p15="http://schemas.microsoft.com/office/powerpoint/2012/main" xmlns:com="http://schemas.openxmlformats.org/drawingml/2006/compatibility" xmlns:pvml="urn:schemas-microsoft-com:office:powerpoint" xmlns:v="urn:schemas-microsoft-com:vml" xmlns:o="urn:schemas-microsoft-com:office:office" xmlns:dgm="http://schemas.openxmlformats.org/drawingml/2006/diagram" xmlns:c="http://schemas.openxmlformats.org/drawingml/2006/chart" xmlns:mv="urn:schemas-microsoft-com:mac:vml" xmlns="">
+    <mc:Fallback xmlns="" xmlns:mv="urn:schemas-microsoft-com:mac:vml" xmlns:c="http://schemas.openxmlformats.org/drawingml/2006/chart" xmlns:dgm="http://schemas.openxmlformats.org/drawingml/2006/diagram" xmlns:o="urn:schemas-microsoft-com:office:office" xmlns:v="urn:schemas-microsoft-com:vml" xmlns:pvml="urn:schemas-microsoft-com:office:powerpoint" xmlns:com="http://schemas.openxmlformats.org/drawingml/2006/compatibility" xmlns:p15="http://schemas.microsoft.com/office/powerpoint/2012/main" xmlns:ahyp="http://schemas.microsoft.com/office/drawing/2018/hyperlinkcolor">
       <p:transition spd="slow">
         <p:fade/>
       </p:transition>
@@ -15942,7 +15947,7 @@
         <p:fade thruBlk="1"/>
       </p:transition>
     </mc:Choice>
-    <mc:Fallback xmlns:ahyp="http://schemas.microsoft.com/office/drawing/2018/hyperlinkcolor" xmlns:p15="http://schemas.microsoft.com/office/powerpoint/2012/main" xmlns:com="http://schemas.openxmlformats.org/drawingml/2006/compatibility" xmlns:pvml="urn:schemas-microsoft-com:office:powerpoint" xmlns:v="urn:schemas-microsoft-com:vml" xmlns:o="urn:schemas-microsoft-com:office:office" xmlns:dgm="http://schemas.openxmlformats.org/drawingml/2006/diagram" xmlns:c="http://schemas.openxmlformats.org/drawingml/2006/chart" xmlns:mv="urn:schemas-microsoft-com:mac:vml" xmlns="">
+    <mc:Fallback xmlns="" xmlns:mv="urn:schemas-microsoft-com:mac:vml" xmlns:c="http://schemas.openxmlformats.org/drawingml/2006/chart" xmlns:dgm="http://schemas.openxmlformats.org/drawingml/2006/diagram" xmlns:o="urn:schemas-microsoft-com:office:office" xmlns:v="urn:schemas-microsoft-com:vml" xmlns:pvml="urn:schemas-microsoft-com:office:powerpoint" xmlns:com="http://schemas.openxmlformats.org/drawingml/2006/compatibility" xmlns:p15="http://schemas.microsoft.com/office/powerpoint/2012/main" xmlns:ahyp="http://schemas.microsoft.com/office/drawing/2018/hyperlinkcolor">
       <p:transition spd="slow">
         <p:fade/>
       </p:transition>
@@ -15979,7 +15984,7 @@
         <p:fade thruBlk="1"/>
       </p:transition>
     </mc:Choice>
-    <mc:Fallback xmlns:ahyp="http://schemas.microsoft.com/office/drawing/2018/hyperlinkcolor" xmlns:p15="http://schemas.microsoft.com/office/powerpoint/2012/main" xmlns:com="http://schemas.openxmlformats.org/drawingml/2006/compatibility" xmlns:pvml="urn:schemas-microsoft-com:office:powerpoint" xmlns:v="urn:schemas-microsoft-com:vml" xmlns:o="urn:schemas-microsoft-com:office:office" xmlns:dgm="http://schemas.openxmlformats.org/drawingml/2006/diagram" xmlns:c="http://schemas.openxmlformats.org/drawingml/2006/chart" xmlns:mv="urn:schemas-microsoft-com:mac:vml" xmlns="">
+    <mc:Fallback xmlns="" xmlns:mv="urn:schemas-microsoft-com:mac:vml" xmlns:c="http://schemas.openxmlformats.org/drawingml/2006/chart" xmlns:dgm="http://schemas.openxmlformats.org/drawingml/2006/diagram" xmlns:o="urn:schemas-microsoft-com:office:office" xmlns:v="urn:schemas-microsoft-com:vml" xmlns:pvml="urn:schemas-microsoft-com:office:powerpoint" xmlns:com="http://schemas.openxmlformats.org/drawingml/2006/compatibility" xmlns:p15="http://schemas.microsoft.com/office/powerpoint/2012/main" xmlns:ahyp="http://schemas.microsoft.com/office/drawing/2018/hyperlinkcolor">
       <p:transition spd="slow">
         <p:fade/>
       </p:transition>
@@ -16016,7 +16021,7 @@
         <p:fade thruBlk="1"/>
       </p:transition>
     </mc:Choice>
-    <mc:Fallback xmlns:ahyp="http://schemas.microsoft.com/office/drawing/2018/hyperlinkcolor" xmlns:p15="http://schemas.microsoft.com/office/powerpoint/2012/main" xmlns:com="http://schemas.openxmlformats.org/drawingml/2006/compatibility" xmlns:pvml="urn:schemas-microsoft-com:office:powerpoint" xmlns:v="urn:schemas-microsoft-com:vml" xmlns:o="urn:schemas-microsoft-com:office:office" xmlns:dgm="http://schemas.openxmlformats.org/drawingml/2006/diagram" xmlns:c="http://schemas.openxmlformats.org/drawingml/2006/chart" xmlns:mv="urn:schemas-microsoft-com:mac:vml" xmlns="">
+    <mc:Fallback xmlns="" xmlns:mv="urn:schemas-microsoft-com:mac:vml" xmlns:c="http://schemas.openxmlformats.org/drawingml/2006/chart" xmlns:dgm="http://schemas.openxmlformats.org/drawingml/2006/diagram" xmlns:o="urn:schemas-microsoft-com:office:office" xmlns:v="urn:schemas-microsoft-com:vml" xmlns:pvml="urn:schemas-microsoft-com:office:powerpoint" xmlns:com="http://schemas.openxmlformats.org/drawingml/2006/compatibility" xmlns:p15="http://schemas.microsoft.com/office/powerpoint/2012/main" xmlns:ahyp="http://schemas.microsoft.com/office/drawing/2018/hyperlinkcolor">
       <p:transition spd="slow">
         <p:fade/>
       </p:transition>
@@ -16053,7 +16058,7 @@
         <p:fade thruBlk="1"/>
       </p:transition>
     </mc:Choice>
-    <mc:Fallback xmlns:ahyp="http://schemas.microsoft.com/office/drawing/2018/hyperlinkcolor" xmlns:p15="http://schemas.microsoft.com/office/powerpoint/2012/main" xmlns:com="http://schemas.openxmlformats.org/drawingml/2006/compatibility" xmlns:pvml="urn:schemas-microsoft-com:office:powerpoint" xmlns:v="urn:schemas-microsoft-com:vml" xmlns:o="urn:schemas-microsoft-com:office:office" xmlns:dgm="http://schemas.openxmlformats.org/drawingml/2006/diagram" xmlns:c="http://schemas.openxmlformats.org/drawingml/2006/chart" xmlns:mv="urn:schemas-microsoft-com:mac:vml" xmlns="">
+    <mc:Fallback xmlns="" xmlns:mv="urn:schemas-microsoft-com:mac:vml" xmlns:c="http://schemas.openxmlformats.org/drawingml/2006/chart" xmlns:dgm="http://schemas.openxmlformats.org/drawingml/2006/diagram" xmlns:o="urn:schemas-microsoft-com:office:office" xmlns:v="urn:schemas-microsoft-com:vml" xmlns:pvml="urn:schemas-microsoft-com:office:powerpoint" xmlns:com="http://schemas.openxmlformats.org/drawingml/2006/compatibility" xmlns:p15="http://schemas.microsoft.com/office/powerpoint/2012/main" xmlns:ahyp="http://schemas.microsoft.com/office/drawing/2018/hyperlinkcolor">
       <p:transition spd="slow">
         <p:fade/>
       </p:transition>
@@ -16090,7 +16095,7 @@
         <p:fade thruBlk="1"/>
       </p:transition>
     </mc:Choice>
-    <mc:Fallback xmlns:ahyp="http://schemas.microsoft.com/office/drawing/2018/hyperlinkcolor" xmlns:p15="http://schemas.microsoft.com/office/powerpoint/2012/main" xmlns:com="http://schemas.openxmlformats.org/drawingml/2006/compatibility" xmlns:pvml="urn:schemas-microsoft-com:office:powerpoint" xmlns:v="urn:schemas-microsoft-com:vml" xmlns:o="urn:schemas-microsoft-com:office:office" xmlns:dgm="http://schemas.openxmlformats.org/drawingml/2006/diagram" xmlns:c="http://schemas.openxmlformats.org/drawingml/2006/chart" xmlns:mv="urn:schemas-microsoft-com:mac:vml" xmlns="">
+    <mc:Fallback xmlns="" xmlns:mv="urn:schemas-microsoft-com:mac:vml" xmlns:c="http://schemas.openxmlformats.org/drawingml/2006/chart" xmlns:dgm="http://schemas.openxmlformats.org/drawingml/2006/diagram" xmlns:o="urn:schemas-microsoft-com:office:office" xmlns:v="urn:schemas-microsoft-com:vml" xmlns:pvml="urn:schemas-microsoft-com:office:powerpoint" xmlns:com="http://schemas.openxmlformats.org/drawingml/2006/compatibility" xmlns:p15="http://schemas.microsoft.com/office/powerpoint/2012/main" xmlns:ahyp="http://schemas.microsoft.com/office/drawing/2018/hyperlinkcolor">
       <p:transition spd="slow">
         <p:fade/>
       </p:transition>
@@ -16127,7 +16132,7 @@
         <p:fade thruBlk="1"/>
       </p:transition>
     </mc:Choice>
-    <mc:Fallback xmlns:ahyp="http://schemas.microsoft.com/office/drawing/2018/hyperlinkcolor" xmlns:p15="http://schemas.microsoft.com/office/powerpoint/2012/main" xmlns:com="http://schemas.openxmlformats.org/drawingml/2006/compatibility" xmlns:pvml="urn:schemas-microsoft-com:office:powerpoint" xmlns:v="urn:schemas-microsoft-com:vml" xmlns:o="urn:schemas-microsoft-com:office:office" xmlns:dgm="http://schemas.openxmlformats.org/drawingml/2006/diagram" xmlns:c="http://schemas.openxmlformats.org/drawingml/2006/chart" xmlns:mv="urn:schemas-microsoft-com:mac:vml" xmlns="">
+    <mc:Fallback xmlns="" xmlns:mv="urn:schemas-microsoft-com:mac:vml" xmlns:c="http://schemas.openxmlformats.org/drawingml/2006/chart" xmlns:dgm="http://schemas.openxmlformats.org/drawingml/2006/diagram" xmlns:o="urn:schemas-microsoft-com:office:office" xmlns:v="urn:schemas-microsoft-com:vml" xmlns:pvml="urn:schemas-microsoft-com:office:powerpoint" xmlns:com="http://schemas.openxmlformats.org/drawingml/2006/compatibility" xmlns:p15="http://schemas.microsoft.com/office/powerpoint/2012/main" xmlns:ahyp="http://schemas.microsoft.com/office/drawing/2018/hyperlinkcolor">
       <p:transition spd="slow">
         <p:fade/>
       </p:transition>
@@ -16164,7 +16169,7 @@
         <p:fade thruBlk="1"/>
       </p:transition>
     </mc:Choice>
-    <mc:Fallback xmlns:ahyp="http://schemas.microsoft.com/office/drawing/2018/hyperlinkcolor" xmlns:p15="http://schemas.microsoft.com/office/powerpoint/2012/main" xmlns:com="http://schemas.openxmlformats.org/drawingml/2006/compatibility" xmlns:pvml="urn:schemas-microsoft-com:office:powerpoint" xmlns:v="urn:schemas-microsoft-com:vml" xmlns:o="urn:schemas-microsoft-com:office:office" xmlns:dgm="http://schemas.openxmlformats.org/drawingml/2006/diagram" xmlns:c="http://schemas.openxmlformats.org/drawingml/2006/chart" xmlns:mv="urn:schemas-microsoft-com:mac:vml" xmlns="">
+    <mc:Fallback xmlns="" xmlns:mv="urn:schemas-microsoft-com:mac:vml" xmlns:c="http://schemas.openxmlformats.org/drawingml/2006/chart" xmlns:dgm="http://schemas.openxmlformats.org/drawingml/2006/diagram" xmlns:o="urn:schemas-microsoft-com:office:office" xmlns:v="urn:schemas-microsoft-com:vml" xmlns:pvml="urn:schemas-microsoft-com:office:powerpoint" xmlns:com="http://schemas.openxmlformats.org/drawingml/2006/compatibility" xmlns:p15="http://schemas.microsoft.com/office/powerpoint/2012/main" xmlns:ahyp="http://schemas.microsoft.com/office/drawing/2018/hyperlinkcolor">
       <p:transition spd="slow">
         <p:fade/>
       </p:transition>
@@ -16201,7 +16206,7 @@
         <p:fade thruBlk="1"/>
       </p:transition>
     </mc:Choice>
-    <mc:Fallback xmlns:ahyp="http://schemas.microsoft.com/office/drawing/2018/hyperlinkcolor" xmlns:p15="http://schemas.microsoft.com/office/powerpoint/2012/main" xmlns:com="http://schemas.openxmlformats.org/drawingml/2006/compatibility" xmlns:pvml="urn:schemas-microsoft-com:office:powerpoint" xmlns:v="urn:schemas-microsoft-com:vml" xmlns:o="urn:schemas-microsoft-com:office:office" xmlns:dgm="http://schemas.openxmlformats.org/drawingml/2006/diagram" xmlns:c="http://schemas.openxmlformats.org/drawingml/2006/chart" xmlns:mv="urn:schemas-microsoft-com:mac:vml" xmlns="">
+    <mc:Fallback xmlns="" xmlns:mv="urn:schemas-microsoft-com:mac:vml" xmlns:c="http://schemas.openxmlformats.org/drawingml/2006/chart" xmlns:dgm="http://schemas.openxmlformats.org/drawingml/2006/diagram" xmlns:o="urn:schemas-microsoft-com:office:office" xmlns:v="urn:schemas-microsoft-com:vml" xmlns:pvml="urn:schemas-microsoft-com:office:powerpoint" xmlns:com="http://schemas.openxmlformats.org/drawingml/2006/compatibility" xmlns:p15="http://schemas.microsoft.com/office/powerpoint/2012/main" xmlns:ahyp="http://schemas.microsoft.com/office/drawing/2018/hyperlinkcolor">
       <p:transition spd="slow">
         <p:fade/>
       </p:transition>
@@ -16238,7 +16243,7 @@
         <p:fade thruBlk="1"/>
       </p:transition>
     </mc:Choice>
-    <mc:Fallback xmlns:ahyp="http://schemas.microsoft.com/office/drawing/2018/hyperlinkcolor" xmlns:p15="http://schemas.microsoft.com/office/powerpoint/2012/main" xmlns:com="http://schemas.openxmlformats.org/drawingml/2006/compatibility" xmlns:pvml="urn:schemas-microsoft-com:office:powerpoint" xmlns:v="urn:schemas-microsoft-com:vml" xmlns:o="urn:schemas-microsoft-com:office:office" xmlns:dgm="http://schemas.openxmlformats.org/drawingml/2006/diagram" xmlns:c="http://schemas.openxmlformats.org/drawingml/2006/chart" xmlns:mv="urn:schemas-microsoft-com:mac:vml" xmlns="">
+    <mc:Fallback xmlns="" xmlns:mv="urn:schemas-microsoft-com:mac:vml" xmlns:c="http://schemas.openxmlformats.org/drawingml/2006/chart" xmlns:dgm="http://schemas.openxmlformats.org/drawingml/2006/diagram" xmlns:o="urn:schemas-microsoft-com:office:office" xmlns:v="urn:schemas-microsoft-com:vml" xmlns:pvml="urn:schemas-microsoft-com:office:powerpoint" xmlns:com="http://schemas.openxmlformats.org/drawingml/2006/compatibility" xmlns:p15="http://schemas.microsoft.com/office/powerpoint/2012/main" xmlns:ahyp="http://schemas.microsoft.com/office/drawing/2018/hyperlinkcolor">
       <p:transition spd="slow">
         <p:fade/>
       </p:transition>
@@ -16275,7 +16280,7 @@
         <p:fade thruBlk="1"/>
       </p:transition>
     </mc:Choice>
-    <mc:Fallback xmlns:ahyp="http://schemas.microsoft.com/office/drawing/2018/hyperlinkcolor" xmlns:p15="http://schemas.microsoft.com/office/powerpoint/2012/main" xmlns:com="http://schemas.openxmlformats.org/drawingml/2006/compatibility" xmlns:pvml="urn:schemas-microsoft-com:office:powerpoint" xmlns:v="urn:schemas-microsoft-com:vml" xmlns:o="urn:schemas-microsoft-com:office:office" xmlns:dgm="http://schemas.openxmlformats.org/drawingml/2006/diagram" xmlns:c="http://schemas.openxmlformats.org/drawingml/2006/chart" xmlns:mv="urn:schemas-microsoft-com:mac:vml" xmlns="">
+    <mc:Fallback xmlns="" xmlns:mv="urn:schemas-microsoft-com:mac:vml" xmlns:c="http://schemas.openxmlformats.org/drawingml/2006/chart" xmlns:dgm="http://schemas.openxmlformats.org/drawingml/2006/diagram" xmlns:o="urn:schemas-microsoft-com:office:office" xmlns:v="urn:schemas-microsoft-com:vml" xmlns:pvml="urn:schemas-microsoft-com:office:powerpoint" xmlns:com="http://schemas.openxmlformats.org/drawingml/2006/compatibility" xmlns:p15="http://schemas.microsoft.com/office/powerpoint/2012/main" xmlns:ahyp="http://schemas.microsoft.com/office/drawing/2018/hyperlinkcolor">
       <p:transition spd="slow">
         <p:fade/>
       </p:transition>
@@ -16312,7 +16317,7 @@
         <p:fade thruBlk="1"/>
       </p:transition>
     </mc:Choice>
-    <mc:Fallback xmlns:ahyp="http://schemas.microsoft.com/office/drawing/2018/hyperlinkcolor" xmlns:p15="http://schemas.microsoft.com/office/powerpoint/2012/main" xmlns:com="http://schemas.openxmlformats.org/drawingml/2006/compatibility" xmlns:pvml="urn:schemas-microsoft-com:office:powerpoint" xmlns:v="urn:schemas-microsoft-com:vml" xmlns:o="urn:schemas-microsoft-com:office:office" xmlns:dgm="http://schemas.openxmlformats.org/drawingml/2006/diagram" xmlns:c="http://schemas.openxmlformats.org/drawingml/2006/chart" xmlns:mv="urn:schemas-microsoft-com:mac:vml" xmlns="">
+    <mc:Fallback xmlns="" xmlns:mv="urn:schemas-microsoft-com:mac:vml" xmlns:c="http://schemas.openxmlformats.org/drawingml/2006/chart" xmlns:dgm="http://schemas.openxmlformats.org/drawingml/2006/diagram" xmlns:o="urn:schemas-microsoft-com:office:office" xmlns:v="urn:schemas-microsoft-com:vml" xmlns:pvml="urn:schemas-microsoft-com:office:powerpoint" xmlns:com="http://schemas.openxmlformats.org/drawingml/2006/compatibility" xmlns:p15="http://schemas.microsoft.com/office/powerpoint/2012/main" xmlns:ahyp="http://schemas.microsoft.com/office/drawing/2018/hyperlinkcolor">
       <p:transition spd="slow">
         <p:fade/>
       </p:transition>
@@ -16349,7 +16354,7 @@
         <p:fade thruBlk="1"/>
       </p:transition>
     </mc:Choice>
-    <mc:Fallback xmlns:ahyp="http://schemas.microsoft.com/office/drawing/2018/hyperlinkcolor" xmlns:p15="http://schemas.microsoft.com/office/powerpoint/2012/main" xmlns:com="http://schemas.openxmlformats.org/drawingml/2006/compatibility" xmlns:pvml="urn:schemas-microsoft-com:office:powerpoint" xmlns:v="urn:schemas-microsoft-com:vml" xmlns:o="urn:schemas-microsoft-com:office:office" xmlns:dgm="http://schemas.openxmlformats.org/drawingml/2006/diagram" xmlns:c="http://schemas.openxmlformats.org/drawingml/2006/chart" xmlns:mv="urn:schemas-microsoft-com:mac:vml" xmlns="">
+    <mc:Fallback xmlns="" xmlns:mv="urn:schemas-microsoft-com:mac:vml" xmlns:c="http://schemas.openxmlformats.org/drawingml/2006/chart" xmlns:dgm="http://schemas.openxmlformats.org/drawingml/2006/diagram" xmlns:o="urn:schemas-microsoft-com:office:office" xmlns:v="urn:schemas-microsoft-com:vml" xmlns:pvml="urn:schemas-microsoft-com:office:powerpoint" xmlns:com="http://schemas.openxmlformats.org/drawingml/2006/compatibility" xmlns:p15="http://schemas.microsoft.com/office/powerpoint/2012/main" xmlns:ahyp="http://schemas.microsoft.com/office/drawing/2018/hyperlinkcolor">
       <p:transition spd="slow">
         <p:fade/>
       </p:transition>
@@ -16386,7 +16391,7 @@
         <p:fade thruBlk="1"/>
       </p:transition>
     </mc:Choice>
-    <mc:Fallback xmlns:ahyp="http://schemas.microsoft.com/office/drawing/2018/hyperlinkcolor" xmlns:p15="http://schemas.microsoft.com/office/powerpoint/2012/main" xmlns:com="http://schemas.openxmlformats.org/drawingml/2006/compatibility" xmlns:pvml="urn:schemas-microsoft-com:office:powerpoint" xmlns:v="urn:schemas-microsoft-com:vml" xmlns:o="urn:schemas-microsoft-com:office:office" xmlns:dgm="http://schemas.openxmlformats.org/drawingml/2006/diagram" xmlns:c="http://schemas.openxmlformats.org/drawingml/2006/chart" xmlns:mv="urn:schemas-microsoft-com:mac:vml" xmlns="">
+    <mc:Fallback xmlns="" xmlns:mv="urn:schemas-microsoft-com:mac:vml" xmlns:c="http://schemas.openxmlformats.org/drawingml/2006/chart" xmlns:dgm="http://schemas.openxmlformats.org/drawingml/2006/diagram" xmlns:o="urn:schemas-microsoft-com:office:office" xmlns:v="urn:schemas-microsoft-com:vml" xmlns:pvml="urn:schemas-microsoft-com:office:powerpoint" xmlns:com="http://schemas.openxmlformats.org/drawingml/2006/compatibility" xmlns:p15="http://schemas.microsoft.com/office/powerpoint/2012/main" xmlns:ahyp="http://schemas.microsoft.com/office/drawing/2018/hyperlinkcolor">
       <p:transition spd="slow">
         <p:fade/>
       </p:transition>
@@ -16423,7 +16428,7 @@
         <p:fade thruBlk="1"/>
       </p:transition>
     </mc:Choice>
-    <mc:Fallback xmlns:ahyp="http://schemas.microsoft.com/office/drawing/2018/hyperlinkcolor" xmlns:p15="http://schemas.microsoft.com/office/powerpoint/2012/main" xmlns:com="http://schemas.openxmlformats.org/drawingml/2006/compatibility" xmlns:pvml="urn:schemas-microsoft-com:office:powerpoint" xmlns:v="urn:schemas-microsoft-com:vml" xmlns:o="urn:schemas-microsoft-com:office:office" xmlns:dgm="http://schemas.openxmlformats.org/drawingml/2006/diagram" xmlns:c="http://schemas.openxmlformats.org/drawingml/2006/chart" xmlns:mv="urn:schemas-microsoft-com:mac:vml" xmlns="">
+    <mc:Fallback xmlns="" xmlns:mv="urn:schemas-microsoft-com:mac:vml" xmlns:c="http://schemas.openxmlformats.org/drawingml/2006/chart" xmlns:dgm="http://schemas.openxmlformats.org/drawingml/2006/diagram" xmlns:o="urn:schemas-microsoft-com:office:office" xmlns:v="urn:schemas-microsoft-com:vml" xmlns:pvml="urn:schemas-microsoft-com:office:powerpoint" xmlns:com="http://schemas.openxmlformats.org/drawingml/2006/compatibility" xmlns:p15="http://schemas.microsoft.com/office/powerpoint/2012/main" xmlns:ahyp="http://schemas.microsoft.com/office/drawing/2018/hyperlinkcolor">
       <p:transition spd="slow">
         <p:fade/>
       </p:transition>
@@ -17207,7 +17212,7 @@
         <p:fade thruBlk="1"/>
       </p:transition>
     </mc:Choice>
-    <mc:Fallback xmlns:ahyp="http://schemas.microsoft.com/office/drawing/2018/hyperlinkcolor" xmlns:p15="http://schemas.microsoft.com/office/powerpoint/2012/main" xmlns:com="http://schemas.openxmlformats.org/drawingml/2006/compatibility" xmlns:pvml="urn:schemas-microsoft-com:office:powerpoint" xmlns:v="urn:schemas-microsoft-com:vml" xmlns:o="urn:schemas-microsoft-com:office:office" xmlns:dgm="http://schemas.openxmlformats.org/drawingml/2006/diagram" xmlns:c="http://schemas.openxmlformats.org/drawingml/2006/chart" xmlns:mv="urn:schemas-microsoft-com:mac:vml" xmlns="">
+    <mc:Fallback xmlns="" xmlns:mv="urn:schemas-microsoft-com:mac:vml" xmlns:c="http://schemas.openxmlformats.org/drawingml/2006/chart" xmlns:dgm="http://schemas.openxmlformats.org/drawingml/2006/diagram" xmlns:o="urn:schemas-microsoft-com:office:office" xmlns:v="urn:schemas-microsoft-com:vml" xmlns:pvml="urn:schemas-microsoft-com:office:powerpoint" xmlns:com="http://schemas.openxmlformats.org/drawingml/2006/compatibility" xmlns:p15="http://schemas.microsoft.com/office/powerpoint/2012/main" xmlns:ahyp="http://schemas.microsoft.com/office/drawing/2018/hyperlinkcolor">
       <p:transition spd="slow">
         <p:fade/>
       </p:transition>
@@ -17244,7 +17249,7 @@
         <p:fade thruBlk="1"/>
       </p:transition>
     </mc:Choice>
-    <mc:Fallback xmlns:ahyp="http://schemas.microsoft.com/office/drawing/2018/hyperlinkcolor" xmlns:p15="http://schemas.microsoft.com/office/powerpoint/2012/main" xmlns:com="http://schemas.openxmlformats.org/drawingml/2006/compatibility" xmlns:pvml="urn:schemas-microsoft-com:office:powerpoint" xmlns:v="urn:schemas-microsoft-com:vml" xmlns:o="urn:schemas-microsoft-com:office:office" xmlns:dgm="http://schemas.openxmlformats.org/drawingml/2006/diagram" xmlns:c="http://schemas.openxmlformats.org/drawingml/2006/chart" xmlns:mv="urn:schemas-microsoft-com:mac:vml" xmlns="">
+    <mc:Fallback xmlns="" xmlns:mv="urn:schemas-microsoft-com:mac:vml" xmlns:c="http://schemas.openxmlformats.org/drawingml/2006/chart" xmlns:dgm="http://schemas.openxmlformats.org/drawingml/2006/diagram" xmlns:o="urn:schemas-microsoft-com:office:office" xmlns:v="urn:schemas-microsoft-com:vml" xmlns:pvml="urn:schemas-microsoft-com:office:powerpoint" xmlns:com="http://schemas.openxmlformats.org/drawingml/2006/compatibility" xmlns:p15="http://schemas.microsoft.com/office/powerpoint/2012/main" xmlns:ahyp="http://schemas.microsoft.com/office/drawing/2018/hyperlinkcolor">
       <p:transition spd="slow">
         <p:fade/>
       </p:transition>
@@ -17281,7 +17286,7 @@
         <p:fade thruBlk="1"/>
       </p:transition>
     </mc:Choice>
-    <mc:Fallback xmlns:ahyp="http://schemas.microsoft.com/office/drawing/2018/hyperlinkcolor" xmlns:p15="http://schemas.microsoft.com/office/powerpoint/2012/main" xmlns:com="http://schemas.openxmlformats.org/drawingml/2006/compatibility" xmlns:pvml="urn:schemas-microsoft-com:office:powerpoint" xmlns:v="urn:schemas-microsoft-com:vml" xmlns:o="urn:schemas-microsoft-com:office:office" xmlns:dgm="http://schemas.openxmlformats.org/drawingml/2006/diagram" xmlns:c="http://schemas.openxmlformats.org/drawingml/2006/chart" xmlns:mv="urn:schemas-microsoft-com:mac:vml" xmlns="">
+    <mc:Fallback xmlns="" xmlns:mv="urn:schemas-microsoft-com:mac:vml" xmlns:c="http://schemas.openxmlformats.org/drawingml/2006/chart" xmlns:dgm="http://schemas.openxmlformats.org/drawingml/2006/diagram" xmlns:o="urn:schemas-microsoft-com:office:office" xmlns:v="urn:schemas-microsoft-com:vml" xmlns:pvml="urn:schemas-microsoft-com:office:powerpoint" xmlns:com="http://schemas.openxmlformats.org/drawingml/2006/compatibility" xmlns:p15="http://schemas.microsoft.com/office/powerpoint/2012/main" xmlns:ahyp="http://schemas.microsoft.com/office/drawing/2018/hyperlinkcolor">
       <p:transition spd="slow">
         <p:fade/>
       </p:transition>
@@ -17318,7 +17323,7 @@
         <p:fade thruBlk="1"/>
       </p:transition>
     </mc:Choice>
-    <mc:Fallback xmlns:ahyp="http://schemas.microsoft.com/office/drawing/2018/hyperlinkcolor" xmlns:p15="http://schemas.microsoft.com/office/powerpoint/2012/main" xmlns:com="http://schemas.openxmlformats.org/drawingml/2006/compatibility" xmlns:pvml="urn:schemas-microsoft-com:office:powerpoint" xmlns:v="urn:schemas-microsoft-com:vml" xmlns:o="urn:schemas-microsoft-com:office:office" xmlns:dgm="http://schemas.openxmlformats.org/drawingml/2006/diagram" xmlns:c="http://schemas.openxmlformats.org/drawingml/2006/chart" xmlns:mv="urn:schemas-microsoft-com:mac:vml" xmlns="">
+    <mc:Fallback xmlns="" xmlns:mv="urn:schemas-microsoft-com:mac:vml" xmlns:c="http://schemas.openxmlformats.org/drawingml/2006/chart" xmlns:dgm="http://schemas.openxmlformats.org/drawingml/2006/diagram" xmlns:o="urn:schemas-microsoft-com:office:office" xmlns:v="urn:schemas-microsoft-com:vml" xmlns:pvml="urn:schemas-microsoft-com:office:powerpoint" xmlns:com="http://schemas.openxmlformats.org/drawingml/2006/compatibility" xmlns:p15="http://schemas.microsoft.com/office/powerpoint/2012/main" xmlns:ahyp="http://schemas.microsoft.com/office/drawing/2018/hyperlinkcolor">
       <p:transition spd="slow">
         <p:fade/>
       </p:transition>
@@ -17355,7 +17360,7 @@
         <p:fade thruBlk="1"/>
       </p:transition>
     </mc:Choice>
-    <mc:Fallback xmlns:ahyp="http://schemas.microsoft.com/office/drawing/2018/hyperlinkcolor" xmlns:p15="http://schemas.microsoft.com/office/powerpoint/2012/main" xmlns:com="http://schemas.openxmlformats.org/drawingml/2006/compatibility" xmlns:pvml="urn:schemas-microsoft-com:office:powerpoint" xmlns:v="urn:schemas-microsoft-com:vml" xmlns:o="urn:schemas-microsoft-com:office:office" xmlns:dgm="http://schemas.openxmlformats.org/drawingml/2006/diagram" xmlns:c="http://schemas.openxmlformats.org/drawingml/2006/chart" xmlns:mv="urn:schemas-microsoft-com:mac:vml" xmlns="">
+    <mc:Fallback xmlns="" xmlns:mv="urn:schemas-microsoft-com:mac:vml" xmlns:c="http://schemas.openxmlformats.org/drawingml/2006/chart" xmlns:dgm="http://schemas.openxmlformats.org/drawingml/2006/diagram" xmlns:o="urn:schemas-microsoft-com:office:office" xmlns:v="urn:schemas-microsoft-com:vml" xmlns:pvml="urn:schemas-microsoft-com:office:powerpoint" xmlns:com="http://schemas.openxmlformats.org/drawingml/2006/compatibility" xmlns:p15="http://schemas.microsoft.com/office/powerpoint/2012/main" xmlns:ahyp="http://schemas.microsoft.com/office/drawing/2018/hyperlinkcolor">
       <p:transition spd="slow">
         <p:fade/>
       </p:transition>
@@ -17392,7 +17397,7 @@
         <p:fade thruBlk="1"/>
       </p:transition>
     </mc:Choice>
-    <mc:Fallback xmlns:ahyp="http://schemas.microsoft.com/office/drawing/2018/hyperlinkcolor" xmlns:p15="http://schemas.microsoft.com/office/powerpoint/2012/main" xmlns:com="http://schemas.openxmlformats.org/drawingml/2006/compatibility" xmlns:pvml="urn:schemas-microsoft-com:office:powerpoint" xmlns:v="urn:schemas-microsoft-com:vml" xmlns:o="urn:schemas-microsoft-com:office:office" xmlns:dgm="http://schemas.openxmlformats.org/drawingml/2006/diagram" xmlns:c="http://schemas.openxmlformats.org/drawingml/2006/chart" xmlns:mv="urn:schemas-microsoft-com:mac:vml" xmlns="">
+    <mc:Fallback xmlns="" xmlns:mv="urn:schemas-microsoft-com:mac:vml" xmlns:c="http://schemas.openxmlformats.org/drawingml/2006/chart" xmlns:dgm="http://schemas.openxmlformats.org/drawingml/2006/diagram" xmlns:o="urn:schemas-microsoft-com:office:office" xmlns:v="urn:schemas-microsoft-com:vml" xmlns:pvml="urn:schemas-microsoft-com:office:powerpoint" xmlns:com="http://schemas.openxmlformats.org/drawingml/2006/compatibility" xmlns:p15="http://schemas.microsoft.com/office/powerpoint/2012/main" xmlns:ahyp="http://schemas.microsoft.com/office/drawing/2018/hyperlinkcolor">
       <p:transition spd="slow">
         <p:fade/>
       </p:transition>
@@ -17429,7 +17434,7 @@
         <p:fade thruBlk="1"/>
       </p:transition>
     </mc:Choice>
-    <mc:Fallback xmlns:ahyp="http://schemas.microsoft.com/office/drawing/2018/hyperlinkcolor" xmlns:p15="http://schemas.microsoft.com/office/powerpoint/2012/main" xmlns:com="http://schemas.openxmlformats.org/drawingml/2006/compatibility" xmlns:pvml="urn:schemas-microsoft-com:office:powerpoint" xmlns:v="urn:schemas-microsoft-com:vml" xmlns:o="urn:schemas-microsoft-com:office:office" xmlns:dgm="http://schemas.openxmlformats.org/drawingml/2006/diagram" xmlns:c="http://schemas.openxmlformats.org/drawingml/2006/chart" xmlns:mv="urn:schemas-microsoft-com:mac:vml" xmlns="">
+    <mc:Fallback xmlns="" xmlns:mv="urn:schemas-microsoft-com:mac:vml" xmlns:c="http://schemas.openxmlformats.org/drawingml/2006/chart" xmlns:dgm="http://schemas.openxmlformats.org/drawingml/2006/diagram" xmlns:o="urn:schemas-microsoft-com:office:office" xmlns:v="urn:schemas-microsoft-com:vml" xmlns:pvml="urn:schemas-microsoft-com:office:powerpoint" xmlns:com="http://schemas.openxmlformats.org/drawingml/2006/compatibility" xmlns:p15="http://schemas.microsoft.com/office/powerpoint/2012/main" xmlns:ahyp="http://schemas.microsoft.com/office/drawing/2018/hyperlinkcolor">
       <p:transition spd="slow">
         <p:fade/>
       </p:transition>
@@ -17466,7 +17471,7 @@
         <p:fade thruBlk="1"/>
       </p:transition>
     </mc:Choice>
-    <mc:Fallback xmlns:ahyp="http://schemas.microsoft.com/office/drawing/2018/hyperlinkcolor" xmlns:p15="http://schemas.microsoft.com/office/powerpoint/2012/main" xmlns:com="http://schemas.openxmlformats.org/drawingml/2006/compatibility" xmlns:pvml="urn:schemas-microsoft-com:office:powerpoint" xmlns:v="urn:schemas-microsoft-com:vml" xmlns:o="urn:schemas-microsoft-com:office:office" xmlns:dgm="http://schemas.openxmlformats.org/drawingml/2006/diagram" xmlns:c="http://schemas.openxmlformats.org/drawingml/2006/chart" xmlns:mv="urn:schemas-microsoft-com:mac:vml" xmlns="">
+    <mc:Fallback xmlns="" xmlns:mv="urn:schemas-microsoft-com:mac:vml" xmlns:c="http://schemas.openxmlformats.org/drawingml/2006/chart" xmlns:dgm="http://schemas.openxmlformats.org/drawingml/2006/diagram" xmlns:o="urn:schemas-microsoft-com:office:office" xmlns:v="urn:schemas-microsoft-com:vml" xmlns:pvml="urn:schemas-microsoft-com:office:powerpoint" xmlns:com="http://schemas.openxmlformats.org/drawingml/2006/compatibility" xmlns:p15="http://schemas.microsoft.com/office/powerpoint/2012/main" xmlns:ahyp="http://schemas.microsoft.com/office/drawing/2018/hyperlinkcolor">
       <p:transition spd="slow">
         <p:fade/>
       </p:transition>
@@ -17503,7 +17508,7 @@
         <p:fade thruBlk="1"/>
       </p:transition>
     </mc:Choice>
-    <mc:Fallback xmlns:ahyp="http://schemas.microsoft.com/office/drawing/2018/hyperlinkcolor" xmlns:p15="http://schemas.microsoft.com/office/powerpoint/2012/main" xmlns:com="http://schemas.openxmlformats.org/drawingml/2006/compatibility" xmlns:pvml="urn:schemas-microsoft-com:office:powerpoint" xmlns:v="urn:schemas-microsoft-com:vml" xmlns:o="urn:schemas-microsoft-com:office:office" xmlns:dgm="http://schemas.openxmlformats.org/drawingml/2006/diagram" xmlns:c="http://schemas.openxmlformats.org/drawingml/2006/chart" xmlns:mv="urn:schemas-microsoft-com:mac:vml" xmlns="">
+    <mc:Fallback xmlns="" xmlns:mv="urn:schemas-microsoft-com:mac:vml" xmlns:c="http://schemas.openxmlformats.org/drawingml/2006/chart" xmlns:dgm="http://schemas.openxmlformats.org/drawingml/2006/diagram" xmlns:o="urn:schemas-microsoft-com:office:office" xmlns:v="urn:schemas-microsoft-com:vml" xmlns:pvml="urn:schemas-microsoft-com:office:powerpoint" xmlns:com="http://schemas.openxmlformats.org/drawingml/2006/compatibility" xmlns:p15="http://schemas.microsoft.com/office/powerpoint/2012/main" xmlns:ahyp="http://schemas.microsoft.com/office/drawing/2018/hyperlinkcolor">
       <p:transition spd="slow">
         <p:fade/>
       </p:transition>
@@ -17540,7 +17545,7 @@
         <p:fade thruBlk="1"/>
       </p:transition>
     </mc:Choice>
-    <mc:Fallback xmlns:ahyp="http://schemas.microsoft.com/office/drawing/2018/hyperlinkcolor" xmlns:p15="http://schemas.microsoft.com/office/powerpoint/2012/main" xmlns:com="http://schemas.openxmlformats.org/drawingml/2006/compatibility" xmlns:pvml="urn:schemas-microsoft-com:office:powerpoint" xmlns:v="urn:schemas-microsoft-com:vml" xmlns:o="urn:schemas-microsoft-com:office:office" xmlns:dgm="http://schemas.openxmlformats.org/drawingml/2006/diagram" xmlns:c="http://schemas.openxmlformats.org/drawingml/2006/chart" xmlns:mv="urn:schemas-microsoft-com:mac:vml" xmlns="">
+    <mc:Fallback xmlns="" xmlns:mv="urn:schemas-microsoft-com:mac:vml" xmlns:c="http://schemas.openxmlformats.org/drawingml/2006/chart" xmlns:dgm="http://schemas.openxmlformats.org/drawingml/2006/diagram" xmlns:o="urn:schemas-microsoft-com:office:office" xmlns:v="urn:schemas-microsoft-com:vml" xmlns:pvml="urn:schemas-microsoft-com:office:powerpoint" xmlns:com="http://schemas.openxmlformats.org/drawingml/2006/compatibility" xmlns:p15="http://schemas.microsoft.com/office/powerpoint/2012/main" xmlns:ahyp="http://schemas.microsoft.com/office/drawing/2018/hyperlinkcolor">
       <p:transition spd="slow">
         <p:fade/>
       </p:transition>
@@ -17643,7 +17648,7 @@
         <p:fade thruBlk="1"/>
       </p:transition>
     </mc:Choice>
-    <mc:Fallback xmlns:ahyp="http://schemas.microsoft.com/office/drawing/2018/hyperlinkcolor" xmlns:p15="http://schemas.microsoft.com/office/powerpoint/2012/main" xmlns:com="http://schemas.openxmlformats.org/drawingml/2006/compatibility" xmlns:pvml="urn:schemas-microsoft-com:office:powerpoint" xmlns:v="urn:schemas-microsoft-com:vml" xmlns:o="urn:schemas-microsoft-com:office:office" xmlns:dgm="http://schemas.openxmlformats.org/drawingml/2006/diagram" xmlns:c="http://schemas.openxmlformats.org/drawingml/2006/chart" xmlns:mv="urn:schemas-microsoft-com:mac:vml" xmlns="">
+    <mc:Fallback xmlns="" xmlns:mv="urn:schemas-microsoft-com:mac:vml" xmlns:c="http://schemas.openxmlformats.org/drawingml/2006/chart" xmlns:dgm="http://schemas.openxmlformats.org/drawingml/2006/diagram" xmlns:o="urn:schemas-microsoft-com:office:office" xmlns:v="urn:schemas-microsoft-com:vml" xmlns:pvml="urn:schemas-microsoft-com:office:powerpoint" xmlns:com="http://schemas.openxmlformats.org/drawingml/2006/compatibility" xmlns:p15="http://schemas.microsoft.com/office/powerpoint/2012/main" xmlns:ahyp="http://schemas.microsoft.com/office/drawing/2018/hyperlinkcolor">
       <p:transition spd="slow">
         <p:fade/>
       </p:transition>
@@ -17746,7 +17751,7 @@
         <p:fade thruBlk="1"/>
       </p:transition>
     </mc:Choice>
-    <mc:Fallback xmlns:ahyp="http://schemas.microsoft.com/office/drawing/2018/hyperlinkcolor" xmlns:p15="http://schemas.microsoft.com/office/powerpoint/2012/main" xmlns:com="http://schemas.openxmlformats.org/drawingml/2006/compatibility" xmlns:pvml="urn:schemas-microsoft-com:office:powerpoint" xmlns:v="urn:schemas-microsoft-com:vml" xmlns:o="urn:schemas-microsoft-com:office:office" xmlns:dgm="http://schemas.openxmlformats.org/drawingml/2006/diagram" xmlns:c="http://schemas.openxmlformats.org/drawingml/2006/chart" xmlns:mv="urn:schemas-microsoft-com:mac:vml" xmlns="">
+    <mc:Fallback xmlns="" xmlns:mv="urn:schemas-microsoft-com:mac:vml" xmlns:c="http://schemas.openxmlformats.org/drawingml/2006/chart" xmlns:dgm="http://schemas.openxmlformats.org/drawingml/2006/diagram" xmlns:o="urn:schemas-microsoft-com:office:office" xmlns:v="urn:schemas-microsoft-com:vml" xmlns:pvml="urn:schemas-microsoft-com:office:powerpoint" xmlns:com="http://schemas.openxmlformats.org/drawingml/2006/compatibility" xmlns:p15="http://schemas.microsoft.com/office/powerpoint/2012/main" xmlns:ahyp="http://schemas.microsoft.com/office/drawing/2018/hyperlinkcolor">
       <p:transition spd="slow">
         <p:fade/>
       </p:transition>
@@ -17849,7 +17854,7 @@
         <p:fade thruBlk="1"/>
       </p:transition>
     </mc:Choice>
-    <mc:Fallback xmlns:ahyp="http://schemas.microsoft.com/office/drawing/2018/hyperlinkcolor" xmlns:p15="http://schemas.microsoft.com/office/powerpoint/2012/main" xmlns:com="http://schemas.openxmlformats.org/drawingml/2006/compatibility" xmlns:pvml="urn:schemas-microsoft-com:office:powerpoint" xmlns:v="urn:schemas-microsoft-com:vml" xmlns:o="urn:schemas-microsoft-com:office:office" xmlns:dgm="http://schemas.openxmlformats.org/drawingml/2006/diagram" xmlns:c="http://schemas.openxmlformats.org/drawingml/2006/chart" xmlns:mv="urn:schemas-microsoft-com:mac:vml" xmlns="">
+    <mc:Fallback xmlns="" xmlns:mv="urn:schemas-microsoft-com:mac:vml" xmlns:c="http://schemas.openxmlformats.org/drawingml/2006/chart" xmlns:dgm="http://schemas.openxmlformats.org/drawingml/2006/diagram" xmlns:o="urn:schemas-microsoft-com:office:office" xmlns:v="urn:schemas-microsoft-com:vml" xmlns:pvml="urn:schemas-microsoft-com:office:powerpoint" xmlns:com="http://schemas.openxmlformats.org/drawingml/2006/compatibility" xmlns:p15="http://schemas.microsoft.com/office/powerpoint/2012/main" xmlns:ahyp="http://schemas.microsoft.com/office/drawing/2018/hyperlinkcolor">
       <p:transition spd="slow">
         <p:fade/>
       </p:transition>
@@ -17952,7 +17957,7 @@
         <p:fade thruBlk="1"/>
       </p:transition>
     </mc:Choice>
-    <mc:Fallback xmlns:ahyp="http://schemas.microsoft.com/office/drawing/2018/hyperlinkcolor" xmlns:p15="http://schemas.microsoft.com/office/powerpoint/2012/main" xmlns:com="http://schemas.openxmlformats.org/drawingml/2006/compatibility" xmlns:pvml="urn:schemas-microsoft-com:office:powerpoint" xmlns:v="urn:schemas-microsoft-com:vml" xmlns:o="urn:schemas-microsoft-com:office:office" xmlns:dgm="http://schemas.openxmlformats.org/drawingml/2006/diagram" xmlns:c="http://schemas.openxmlformats.org/drawingml/2006/chart" xmlns:mv="urn:schemas-microsoft-com:mac:vml" xmlns="">
+    <mc:Fallback xmlns="" xmlns:mv="urn:schemas-microsoft-com:mac:vml" xmlns:c="http://schemas.openxmlformats.org/drawingml/2006/chart" xmlns:dgm="http://schemas.openxmlformats.org/drawingml/2006/diagram" xmlns:o="urn:schemas-microsoft-com:office:office" xmlns:v="urn:schemas-microsoft-com:vml" xmlns:pvml="urn:schemas-microsoft-com:office:powerpoint" xmlns:com="http://schemas.openxmlformats.org/drawingml/2006/compatibility" xmlns:p15="http://schemas.microsoft.com/office/powerpoint/2012/main" xmlns:ahyp="http://schemas.microsoft.com/office/drawing/2018/hyperlinkcolor">
       <p:transition spd="slow">
         <p:fade/>
       </p:transition>
@@ -18055,7 +18060,7 @@
         <p:fade thruBlk="1"/>
       </p:transition>
     </mc:Choice>
-    <mc:Fallback xmlns:ahyp="http://schemas.microsoft.com/office/drawing/2018/hyperlinkcolor" xmlns:p15="http://schemas.microsoft.com/office/powerpoint/2012/main" xmlns:com="http://schemas.openxmlformats.org/drawingml/2006/compatibility" xmlns:pvml="urn:schemas-microsoft-com:office:powerpoint" xmlns:v="urn:schemas-microsoft-com:vml" xmlns:o="urn:schemas-microsoft-com:office:office" xmlns:dgm="http://schemas.openxmlformats.org/drawingml/2006/diagram" xmlns:c="http://schemas.openxmlformats.org/drawingml/2006/chart" xmlns:mv="urn:schemas-microsoft-com:mac:vml" xmlns="">
+    <mc:Fallback xmlns="" xmlns:mv="urn:schemas-microsoft-com:mac:vml" xmlns:c="http://schemas.openxmlformats.org/drawingml/2006/chart" xmlns:dgm="http://schemas.openxmlformats.org/drawingml/2006/diagram" xmlns:o="urn:schemas-microsoft-com:office:office" xmlns:v="urn:schemas-microsoft-com:vml" xmlns:pvml="urn:schemas-microsoft-com:office:powerpoint" xmlns:com="http://schemas.openxmlformats.org/drawingml/2006/compatibility" xmlns:p15="http://schemas.microsoft.com/office/powerpoint/2012/main" xmlns:ahyp="http://schemas.microsoft.com/office/drawing/2018/hyperlinkcolor">
       <p:transition spd="slow">
         <p:fade/>
       </p:transition>
@@ -19156,7 +19161,7 @@
         <p:fade thruBlk="1"/>
       </p:transition>
     </mc:Choice>
-    <mc:Fallback xmlns:ahyp="http://schemas.microsoft.com/office/drawing/2018/hyperlinkcolor" xmlns:p15="http://schemas.microsoft.com/office/powerpoint/2012/main" xmlns:com="http://schemas.openxmlformats.org/drawingml/2006/compatibility" xmlns:pvml="urn:schemas-microsoft-com:office:powerpoint" xmlns:v="urn:schemas-microsoft-com:vml" xmlns:o="urn:schemas-microsoft-com:office:office" xmlns:dgm="http://schemas.openxmlformats.org/drawingml/2006/diagram" xmlns:c="http://schemas.openxmlformats.org/drawingml/2006/chart" xmlns:mv="urn:schemas-microsoft-com:mac:vml" xmlns="">
+    <mc:Fallback xmlns="" xmlns:mv="urn:schemas-microsoft-com:mac:vml" xmlns:c="http://schemas.openxmlformats.org/drawingml/2006/chart" xmlns:dgm="http://schemas.openxmlformats.org/drawingml/2006/diagram" xmlns:o="urn:schemas-microsoft-com:office:office" xmlns:v="urn:schemas-microsoft-com:vml" xmlns:pvml="urn:schemas-microsoft-com:office:powerpoint" xmlns:com="http://schemas.openxmlformats.org/drawingml/2006/compatibility" xmlns:p15="http://schemas.microsoft.com/office/powerpoint/2012/main" xmlns:ahyp="http://schemas.microsoft.com/office/drawing/2018/hyperlinkcolor">
       <p:transition spd="slow">
         <p:fade/>
       </p:transition>
@@ -20642,10 +20647,10 @@
         </p:nvGrpSpPr>
         <p:grpSpPr>
           <a:xfrm>
-            <a:off x="2037689" y="2178379"/>
-            <a:ext cx="5068620" cy="2887631"/>
-            <a:chOff x="2037689" y="2066509"/>
-            <a:chExt cx="5068620" cy="2811514"/>
+            <a:off x="2031540" y="1967087"/>
+            <a:ext cx="5068620" cy="3098924"/>
+            <a:chOff x="2031540" y="1860786"/>
+            <a:chExt cx="5068620" cy="3017237"/>
           </a:xfrm>
         </p:grpSpPr>
         <p:sp>
@@ -20656,7 +20661,7 @@
           </p:nvSpPr>
           <p:spPr>
             <a:xfrm>
-              <a:off x="2037689" y="2066509"/>
+              <a:off x="2031540" y="1860786"/>
               <a:ext cx="5068620" cy="1097280"/>
             </a:xfrm>
             <a:prstGeom prst="rect">
@@ -20673,35 +20678,82 @@
             </a:bodyPr>
             <a:lstStyle/>
             <a:p>
-              <a:pPr marL="0" marR="0" lvl="0" indent="0" algn="ctr" rtl="0">
-                <a:spcBef>
-                  <a:spcPts val="0"/>
-                </a:spcBef>
-                <a:spcAft>
-                  <a:spcPts val="0"/>
-                </a:spcAft>
-                <a:buNone/>
-              </a:pPr>
+              <a:pPr algn="ctr"/>
               <a:r>
-                <a:rPr lang="zh-TW" sz="3600" b="0" i="0" u="none" strike="noStrike" cap="none">
+                <a:rPr lang="zh-TW" altLang="en-US" sz="3000" i="0" u="none" dirty="0">
                   <a:solidFill>
-                    <a:schemeClr val="lt1"/>
+                    <a:schemeClr val="bg1"/>
                   </a:solidFill>
-                  <a:latin typeface="Arial"/>
-                  <a:ea typeface="Arial"/>
-                  <a:cs typeface="Arial"/>
-                  <a:sym typeface="Arial"/>
+                  <a:latin typeface="微軟正黑體" panose="020B0604030504040204" pitchFamily="34" charset="-120"/>
+                  <a:ea typeface="微軟正黑體" panose="020B0604030504040204" pitchFamily="34" charset="-120"/>
                 </a:rPr>
                 <a:t>教師專業課程推薦系統</a:t>
               </a:r>
-              <a:endParaRPr sz="3600" b="1" i="0" u="none" strike="noStrike" cap="none">
+              <a:endParaRPr lang="en-US" altLang="zh-TW" sz="3000" i="0" u="none" dirty="0">
                 <a:solidFill>
-                  <a:schemeClr val="lt1"/>
+                  <a:schemeClr val="bg1"/>
                 </a:solidFill>
-                <a:latin typeface="Montserrat SemiBold"/>
-                <a:ea typeface="Montserrat SemiBold"/>
-                <a:cs typeface="Montserrat SemiBold"/>
-                <a:sym typeface="Montserrat SemiBold"/>
+                <a:latin typeface="微軟正黑體" panose="020B0604030504040204" pitchFamily="34" charset="-120"/>
+                <a:ea typeface="微軟正黑體" panose="020B0604030504040204" pitchFamily="34" charset="-120"/>
+              </a:endParaRPr>
+            </a:p>
+            <a:p>
+              <a:pPr algn="ctr"/>
+              <a:r>
+                <a:rPr lang="en-US" altLang="zh-TW" sz="3000" kern="0" dirty="0">
+                  <a:solidFill>
+                    <a:schemeClr val="bg1"/>
+                  </a:solidFill>
+                  <a:effectLst/>
+                  <a:latin typeface="微軟正黑體" panose="020B0604030504040204" pitchFamily="34" charset="-120"/>
+                  <a:ea typeface="微軟正黑體" panose="020B0604030504040204" pitchFamily="34" charset="-120"/>
+                  <a:cs typeface="新細明體" panose="02020500000000000000" pitchFamily="18" charset="-120"/>
+                </a:rPr>
+                <a:t>-</a:t>
+              </a:r>
+              <a:r>
+                <a:rPr lang="zh-TW" altLang="zh-TW" sz="3000" kern="0" dirty="0">
+                  <a:solidFill>
+                    <a:schemeClr val="bg1"/>
+                  </a:solidFill>
+                  <a:effectLst/>
+                  <a:latin typeface="微軟正黑體" panose="020B0604030504040204" pitchFamily="34" charset="-120"/>
+                  <a:ea typeface="微軟正黑體" panose="020B0604030504040204" pitchFamily="34" charset="-120"/>
+                  <a:cs typeface="新細明體" panose="02020500000000000000" pitchFamily="18" charset="-120"/>
+                </a:rPr>
+                <a:t>以淡江大學</a:t>
+              </a:r>
+              <a:r>
+                <a:rPr lang="en-US" altLang="zh-TW" sz="3000" kern="0" dirty="0">
+                  <a:solidFill>
+                    <a:schemeClr val="bg1"/>
+                  </a:solidFill>
+                  <a:effectLst/>
+                  <a:latin typeface="微軟正黑體" panose="020B0604030504040204" pitchFamily="34" charset="-120"/>
+                  <a:ea typeface="微軟正黑體" panose="020B0604030504040204" pitchFamily="34" charset="-120"/>
+                  <a:cs typeface="新細明體" panose="02020500000000000000" pitchFamily="18" charset="-120"/>
+                </a:rPr>
+                <a:t>Azure</a:t>
+              </a:r>
+              <a:r>
+                <a:rPr lang="zh-TW" altLang="zh-TW" sz="3000" kern="0" dirty="0">
+                  <a:solidFill>
+                    <a:schemeClr val="bg1"/>
+                  </a:solidFill>
+                  <a:effectLst/>
+                  <a:latin typeface="微軟正黑體" panose="020B0604030504040204" pitchFamily="34" charset="-120"/>
+                  <a:ea typeface="微軟正黑體" panose="020B0604030504040204" pitchFamily="34" charset="-120"/>
+                  <a:cs typeface="新細明體" panose="02020500000000000000" pitchFamily="18" charset="-120"/>
+                </a:rPr>
+                <a:t>系統為例</a:t>
+              </a:r>
+              <a:endParaRPr lang="zh-TW" altLang="zh-TW" sz="3000" kern="100" dirty="0">
+                <a:solidFill>
+                  <a:schemeClr val="bg1"/>
+                </a:solidFill>
+                <a:effectLst/>
+                <a:latin typeface="微軟正黑體" panose="020B0604030504040204" pitchFamily="34" charset="-120"/>
+                <a:ea typeface="微軟正黑體" panose="020B0604030504040204" pitchFamily="34" charset="-120"/>
               </a:endParaRPr>
             </a:p>
           </p:txBody>
@@ -29964,7 +30016,7 @@
         <p:fade thruBlk="1"/>
       </p:transition>
     </mc:Choice>
-    <mc:Fallback xmlns:ahyp="http://schemas.microsoft.com/office/drawing/2018/hyperlinkcolor" xmlns:p15="http://schemas.microsoft.com/office/powerpoint/2012/main" xmlns:com="http://schemas.openxmlformats.org/drawingml/2006/compatibility" xmlns:pvml="urn:schemas-microsoft-com:office:powerpoint" xmlns:v="urn:schemas-microsoft-com:vml" xmlns:o="urn:schemas-microsoft-com:office:office" xmlns:dgm="http://schemas.openxmlformats.org/drawingml/2006/diagram" xmlns:c="http://schemas.openxmlformats.org/drawingml/2006/chart" xmlns:mv="urn:schemas-microsoft-com:mac:vml" xmlns="">
+    <mc:Fallback xmlns="" xmlns:mv="urn:schemas-microsoft-com:mac:vml" xmlns:c="http://schemas.openxmlformats.org/drawingml/2006/chart" xmlns:dgm="http://schemas.openxmlformats.org/drawingml/2006/diagram" xmlns:o="urn:schemas-microsoft-com:office:office" xmlns:v="urn:schemas-microsoft-com:vml" xmlns:pvml="urn:schemas-microsoft-com:office:powerpoint" xmlns:com="http://schemas.openxmlformats.org/drawingml/2006/compatibility" xmlns:p15="http://schemas.microsoft.com/office/powerpoint/2012/main" xmlns:ahyp="http://schemas.microsoft.com/office/drawing/2018/hyperlinkcolor">
       <p:transition spd="slow">
         <p:fade/>
       </p:transition>
@@ -30197,7 +30249,7 @@
         <p:fade thruBlk="1"/>
       </p:transition>
     </mc:Choice>
-    <mc:Fallback xmlns:ahyp="http://schemas.microsoft.com/office/drawing/2018/hyperlinkcolor" xmlns:p15="http://schemas.microsoft.com/office/powerpoint/2012/main" xmlns:com="http://schemas.openxmlformats.org/drawingml/2006/compatibility" xmlns:pvml="urn:schemas-microsoft-com:office:powerpoint" xmlns:v="urn:schemas-microsoft-com:vml" xmlns:o="urn:schemas-microsoft-com:office:office" xmlns:dgm="http://schemas.openxmlformats.org/drawingml/2006/diagram" xmlns:c="http://schemas.openxmlformats.org/drawingml/2006/chart" xmlns:mv="urn:schemas-microsoft-com:mac:vml" xmlns="">
+    <mc:Fallback xmlns="" xmlns:mv="urn:schemas-microsoft-com:mac:vml" xmlns:c="http://schemas.openxmlformats.org/drawingml/2006/chart" xmlns:dgm="http://schemas.openxmlformats.org/drawingml/2006/diagram" xmlns:o="urn:schemas-microsoft-com:office:office" xmlns:v="urn:schemas-microsoft-com:vml" xmlns:pvml="urn:schemas-microsoft-com:office:powerpoint" xmlns:com="http://schemas.openxmlformats.org/drawingml/2006/compatibility" xmlns:p15="http://schemas.microsoft.com/office/powerpoint/2012/main" xmlns:ahyp="http://schemas.microsoft.com/office/drawing/2018/hyperlinkcolor">
       <p:transition spd="slow">
         <p:fade/>
       </p:transition>
@@ -30316,7 +30368,7 @@
         <p:fade thruBlk="1"/>
       </p:transition>
     </mc:Choice>
-    <mc:Fallback xmlns:ahyp="http://schemas.microsoft.com/office/drawing/2018/hyperlinkcolor" xmlns:p15="http://schemas.microsoft.com/office/powerpoint/2012/main" xmlns:com="http://schemas.openxmlformats.org/drawingml/2006/compatibility" xmlns:pvml="urn:schemas-microsoft-com:office:powerpoint" xmlns:v="urn:schemas-microsoft-com:vml" xmlns:o="urn:schemas-microsoft-com:office:office" xmlns:dgm="http://schemas.openxmlformats.org/drawingml/2006/diagram" xmlns:c="http://schemas.openxmlformats.org/drawingml/2006/chart" xmlns:mv="urn:schemas-microsoft-com:mac:vml" xmlns="">
+    <mc:Fallback xmlns="" xmlns:mv="urn:schemas-microsoft-com:mac:vml" xmlns:c="http://schemas.openxmlformats.org/drawingml/2006/chart" xmlns:dgm="http://schemas.openxmlformats.org/drawingml/2006/diagram" xmlns:o="urn:schemas-microsoft-com:office:office" xmlns:v="urn:schemas-microsoft-com:vml" xmlns:pvml="urn:schemas-microsoft-com:office:powerpoint" xmlns:com="http://schemas.openxmlformats.org/drawingml/2006/compatibility" xmlns:p15="http://schemas.microsoft.com/office/powerpoint/2012/main" xmlns:ahyp="http://schemas.microsoft.com/office/drawing/2018/hyperlinkcolor">
       <p:transition spd="slow">
         <p:fade/>
       </p:transition>
@@ -30601,7 +30653,7 @@
         <p:fade thruBlk="1"/>
       </p:transition>
     </mc:Choice>
-    <mc:Fallback xmlns:ahyp="http://schemas.microsoft.com/office/drawing/2018/hyperlinkcolor" xmlns:p15="http://schemas.microsoft.com/office/powerpoint/2012/main" xmlns:com="http://schemas.openxmlformats.org/drawingml/2006/compatibility" xmlns:pvml="urn:schemas-microsoft-com:office:powerpoint" xmlns:v="urn:schemas-microsoft-com:vml" xmlns:o="urn:schemas-microsoft-com:office:office" xmlns:dgm="http://schemas.openxmlformats.org/drawingml/2006/diagram" xmlns:c="http://schemas.openxmlformats.org/drawingml/2006/chart" xmlns:mv="urn:schemas-microsoft-com:mac:vml" xmlns="">
+    <mc:Fallback xmlns="" xmlns:mv="urn:schemas-microsoft-com:mac:vml" xmlns:c="http://schemas.openxmlformats.org/drawingml/2006/chart" xmlns:dgm="http://schemas.openxmlformats.org/drawingml/2006/diagram" xmlns:o="urn:schemas-microsoft-com:office:office" xmlns:v="urn:schemas-microsoft-com:vml" xmlns:pvml="urn:schemas-microsoft-com:office:powerpoint" xmlns:com="http://schemas.openxmlformats.org/drawingml/2006/compatibility" xmlns:p15="http://schemas.microsoft.com/office/powerpoint/2012/main" xmlns:ahyp="http://schemas.microsoft.com/office/drawing/2018/hyperlinkcolor">
       <p:transition spd="slow">
         <p:fade/>
       </p:transition>
@@ -30886,7 +30938,7 @@
         <p:fade thruBlk="1"/>
       </p:transition>
     </mc:Choice>
-    <mc:Fallback xmlns:ahyp="http://schemas.microsoft.com/office/drawing/2018/hyperlinkcolor" xmlns:p15="http://schemas.microsoft.com/office/powerpoint/2012/main" xmlns:com="http://schemas.openxmlformats.org/drawingml/2006/compatibility" xmlns:pvml="urn:schemas-microsoft-com:office:powerpoint" xmlns:v="urn:schemas-microsoft-com:vml" xmlns:o="urn:schemas-microsoft-com:office:office" xmlns:dgm="http://schemas.openxmlformats.org/drawingml/2006/diagram" xmlns:c="http://schemas.openxmlformats.org/drawingml/2006/chart" xmlns:mv="urn:schemas-microsoft-com:mac:vml" xmlns="">
+    <mc:Fallback xmlns="" xmlns:mv="urn:schemas-microsoft-com:mac:vml" xmlns:c="http://schemas.openxmlformats.org/drawingml/2006/chart" xmlns:dgm="http://schemas.openxmlformats.org/drawingml/2006/diagram" xmlns:o="urn:schemas-microsoft-com:office:office" xmlns:v="urn:schemas-microsoft-com:vml" xmlns:pvml="urn:schemas-microsoft-com:office:powerpoint" xmlns:com="http://schemas.openxmlformats.org/drawingml/2006/compatibility" xmlns:p15="http://schemas.microsoft.com/office/powerpoint/2012/main" xmlns:ahyp="http://schemas.microsoft.com/office/drawing/2018/hyperlinkcolor">
       <p:transition spd="slow">
         <p:fade/>
       </p:transition>
@@ -31742,7 +31794,7 @@
         <p:fade thruBlk="1"/>
       </p:transition>
     </mc:Choice>
-    <mc:Fallback xmlns:ahyp="http://schemas.microsoft.com/office/drawing/2018/hyperlinkcolor" xmlns:p15="http://schemas.microsoft.com/office/powerpoint/2012/main" xmlns:com="http://schemas.openxmlformats.org/drawingml/2006/compatibility" xmlns:pvml="urn:schemas-microsoft-com:office:powerpoint" xmlns:v="urn:schemas-microsoft-com:vml" xmlns:o="urn:schemas-microsoft-com:office:office" xmlns:dgm="http://schemas.openxmlformats.org/drawingml/2006/diagram" xmlns:c="http://schemas.openxmlformats.org/drawingml/2006/chart" xmlns:mv="urn:schemas-microsoft-com:mac:vml" xmlns="">
+    <mc:Fallback xmlns="" xmlns:mv="urn:schemas-microsoft-com:mac:vml" xmlns:c="http://schemas.openxmlformats.org/drawingml/2006/chart" xmlns:dgm="http://schemas.openxmlformats.org/drawingml/2006/diagram" xmlns:o="urn:schemas-microsoft-com:office:office" xmlns:v="urn:schemas-microsoft-com:vml" xmlns:pvml="urn:schemas-microsoft-com:office:powerpoint" xmlns:com="http://schemas.openxmlformats.org/drawingml/2006/compatibility" xmlns:p15="http://schemas.microsoft.com/office/powerpoint/2012/main" xmlns:ahyp="http://schemas.microsoft.com/office/drawing/2018/hyperlinkcolor">
       <p:transition spd="slow">
         <p:fade/>
       </p:transition>
@@ -32171,7 +32223,7 @@
         <p:fade thruBlk="1"/>
       </p:transition>
     </mc:Choice>
-    <mc:Fallback xmlns:ahyp="http://schemas.microsoft.com/office/drawing/2018/hyperlinkcolor" xmlns:p15="http://schemas.microsoft.com/office/powerpoint/2012/main" xmlns:com="http://schemas.openxmlformats.org/drawingml/2006/compatibility" xmlns:pvml="urn:schemas-microsoft-com:office:powerpoint" xmlns:v="urn:schemas-microsoft-com:vml" xmlns:o="urn:schemas-microsoft-com:office:office" xmlns:dgm="http://schemas.openxmlformats.org/drawingml/2006/diagram" xmlns:c="http://schemas.openxmlformats.org/drawingml/2006/chart" xmlns:mv="urn:schemas-microsoft-com:mac:vml" xmlns="">
+    <mc:Fallback xmlns="" xmlns:mv="urn:schemas-microsoft-com:mac:vml" xmlns:c="http://schemas.openxmlformats.org/drawingml/2006/chart" xmlns:dgm="http://schemas.openxmlformats.org/drawingml/2006/diagram" xmlns:o="urn:schemas-microsoft-com:office:office" xmlns:v="urn:schemas-microsoft-com:vml" xmlns:pvml="urn:schemas-microsoft-com:office:powerpoint" xmlns:com="http://schemas.openxmlformats.org/drawingml/2006/compatibility" xmlns:p15="http://schemas.microsoft.com/office/powerpoint/2012/main" xmlns:ahyp="http://schemas.microsoft.com/office/drawing/2018/hyperlinkcolor">
       <p:transition spd="slow">
         <p:fade/>
       </p:transition>
@@ -32592,7 +32644,7 @@
         <p:fade thruBlk="1"/>
       </p:transition>
     </mc:Choice>
-    <mc:Fallback xmlns:ahyp="http://schemas.microsoft.com/office/drawing/2018/hyperlinkcolor" xmlns:p15="http://schemas.microsoft.com/office/powerpoint/2012/main" xmlns:com="http://schemas.openxmlformats.org/drawingml/2006/compatibility" xmlns:pvml="urn:schemas-microsoft-com:office:powerpoint" xmlns:v="urn:schemas-microsoft-com:vml" xmlns:o="urn:schemas-microsoft-com:office:office" xmlns:dgm="http://schemas.openxmlformats.org/drawingml/2006/diagram" xmlns:c="http://schemas.openxmlformats.org/drawingml/2006/chart" xmlns:mv="urn:schemas-microsoft-com:mac:vml" xmlns="">
+    <mc:Fallback xmlns="" xmlns:mv="urn:schemas-microsoft-com:mac:vml" xmlns:c="http://schemas.openxmlformats.org/drawingml/2006/chart" xmlns:dgm="http://schemas.openxmlformats.org/drawingml/2006/diagram" xmlns:o="urn:schemas-microsoft-com:office:office" xmlns:v="urn:schemas-microsoft-com:vml" xmlns:pvml="urn:schemas-microsoft-com:office:powerpoint" xmlns:com="http://schemas.openxmlformats.org/drawingml/2006/compatibility" xmlns:p15="http://schemas.microsoft.com/office/powerpoint/2012/main" xmlns:ahyp="http://schemas.microsoft.com/office/drawing/2018/hyperlinkcolor">
       <p:transition spd="slow">
         <p:fade/>
       </p:transition>
